--- a/fig/ansible-overview-v02.pptx
+++ b/fig/ansible-overview-v02.pptx
@@ -192,7 +192,7 @@
           <a:p>
             <a:fld id="{B2B5ABE0-9405-7B4D-B9EA-CE78F3455015}" type="datetimeFigureOut">
               <a:rPr lang="en-US" smtClean="0"/>
-              <a:t>5/26/16</a:t>
+              <a:t>6/27/16</a:t>
             </a:fld>
             <a:endParaRPr lang="en-US"/>
           </a:p>
@@ -977,7 +977,7 @@
           <a:p>
             <a:fld id="{61EC71F1-B3E0-DD4C-B030-8B42C148BEB6}" type="datetimeFigureOut">
               <a:rPr lang="en-US" smtClean="0"/>
-              <a:t>5/26/16</a:t>
+              <a:t>6/27/16</a:t>
             </a:fld>
             <a:endParaRPr lang="en-US"/>
           </a:p>
@@ -1147,7 +1147,7 @@
           <a:p>
             <a:fld id="{61EC71F1-B3E0-DD4C-B030-8B42C148BEB6}" type="datetimeFigureOut">
               <a:rPr lang="en-US" smtClean="0"/>
-              <a:t>5/26/16</a:t>
+              <a:t>6/27/16</a:t>
             </a:fld>
             <a:endParaRPr lang="en-US"/>
           </a:p>
@@ -1327,7 +1327,7 @@
           <a:p>
             <a:fld id="{61EC71F1-B3E0-DD4C-B030-8B42C148BEB6}" type="datetimeFigureOut">
               <a:rPr lang="en-US" smtClean="0"/>
-              <a:t>5/26/16</a:t>
+              <a:t>6/27/16</a:t>
             </a:fld>
             <a:endParaRPr lang="en-US"/>
           </a:p>
@@ -1497,7 +1497,7 @@
           <a:p>
             <a:fld id="{61EC71F1-B3E0-DD4C-B030-8B42C148BEB6}" type="datetimeFigureOut">
               <a:rPr lang="en-US" smtClean="0"/>
-              <a:t>5/26/16</a:t>
+              <a:t>6/27/16</a:t>
             </a:fld>
             <a:endParaRPr lang="en-US"/>
           </a:p>
@@ -1743,7 +1743,7 @@
           <a:p>
             <a:fld id="{61EC71F1-B3E0-DD4C-B030-8B42C148BEB6}" type="datetimeFigureOut">
               <a:rPr lang="en-US" smtClean="0"/>
-              <a:t>5/26/16</a:t>
+              <a:t>6/27/16</a:t>
             </a:fld>
             <a:endParaRPr lang="en-US"/>
           </a:p>
@@ -2031,7 +2031,7 @@
           <a:p>
             <a:fld id="{61EC71F1-B3E0-DD4C-B030-8B42C148BEB6}" type="datetimeFigureOut">
               <a:rPr lang="en-US" smtClean="0"/>
-              <a:t>5/26/16</a:t>
+              <a:t>6/27/16</a:t>
             </a:fld>
             <a:endParaRPr lang="en-US"/>
           </a:p>
@@ -2453,7 +2453,7 @@
           <a:p>
             <a:fld id="{61EC71F1-B3E0-DD4C-B030-8B42C148BEB6}" type="datetimeFigureOut">
               <a:rPr lang="en-US" smtClean="0"/>
-              <a:t>5/26/16</a:t>
+              <a:t>6/27/16</a:t>
             </a:fld>
             <a:endParaRPr lang="en-US"/>
           </a:p>
@@ -2571,7 +2571,7 @@
           <a:p>
             <a:fld id="{61EC71F1-B3E0-DD4C-B030-8B42C148BEB6}" type="datetimeFigureOut">
               <a:rPr lang="en-US" smtClean="0"/>
-              <a:t>5/26/16</a:t>
+              <a:t>6/27/16</a:t>
             </a:fld>
             <a:endParaRPr lang="en-US"/>
           </a:p>
@@ -2666,7 +2666,7 @@
           <a:p>
             <a:fld id="{61EC71F1-B3E0-DD4C-B030-8B42C148BEB6}" type="datetimeFigureOut">
               <a:rPr lang="en-US" smtClean="0"/>
-              <a:t>5/26/16</a:t>
+              <a:t>6/27/16</a:t>
             </a:fld>
             <a:endParaRPr lang="en-US"/>
           </a:p>
@@ -2943,7 +2943,7 @@
           <a:p>
             <a:fld id="{61EC71F1-B3E0-DD4C-B030-8B42C148BEB6}" type="datetimeFigureOut">
               <a:rPr lang="en-US" smtClean="0"/>
-              <a:t>5/26/16</a:t>
+              <a:t>6/27/16</a:t>
             </a:fld>
             <a:endParaRPr lang="en-US"/>
           </a:p>
@@ -3196,7 +3196,7 @@
           <a:p>
             <a:fld id="{61EC71F1-B3E0-DD4C-B030-8B42C148BEB6}" type="datetimeFigureOut">
               <a:rPr lang="en-US" smtClean="0"/>
-              <a:t>5/26/16</a:t>
+              <a:t>6/27/16</a:t>
             </a:fld>
             <a:endParaRPr lang="en-US"/>
           </a:p>
@@ -3409,7 +3409,7 @@
           <a:p>
             <a:fld id="{61EC71F1-B3E0-DD4C-B030-8B42C148BEB6}" type="datetimeFigureOut">
               <a:rPr lang="en-US" smtClean="0"/>
-              <a:t>5/26/16</a:t>
+              <a:t>6/27/16</a:t>
             </a:fld>
             <a:endParaRPr lang="en-US"/>
           </a:p>
@@ -3786,20 +3786,22 @@
       </p:grpSpPr>
       <p:sp>
         <p:nvSpPr>
-          <p:cNvPr id="53" name="Rectangle 52"/>
+          <p:cNvPr id="42" name="Rectangle 41"/>
           <p:cNvSpPr/>
           <p:nvPr/>
         </p:nvSpPr>
         <p:spPr>
           <a:xfrm>
-            <a:off x="4308319" y="2078262"/>
-            <a:ext cx="4182351" cy="2770410"/>
+            <a:off x="6589172" y="2306145"/>
+            <a:ext cx="1853552" cy="2184916"/>
           </a:xfrm>
           <a:prstGeom prst="rect">
             <a:avLst/>
           </a:prstGeom>
           <a:solidFill>
-            <a:schemeClr val="accent1"/>
+            <a:schemeClr val="accent3">
+              <a:alpha val="49000"/>
+            </a:schemeClr>
           </a:solidFill>
           <a:ln>
             <a:solidFill>
@@ -3842,7 +3844,22 @@
                 <a:ea typeface="Open Sans Light" charset="0"/>
                 <a:cs typeface="Open Sans Light" charset="0"/>
               </a:rPr>
-              <a:t>cloud or local Vagrant+Virtualbox</a:t>
+              <a:t>AWS</a:t>
+            </a:r>
+            <a:br>
+              <a:rPr lang="en-US" sz="1800" dirty="0" smtClean="0">
+                <a:latin typeface="Open Sans Light" charset="0"/>
+                <a:ea typeface="Open Sans Light" charset="0"/>
+                <a:cs typeface="Open Sans Light" charset="0"/>
+              </a:rPr>
+            </a:br>
+            <a:r>
+              <a:rPr lang="en-US" dirty="0" smtClean="0">
+                <a:latin typeface="Open Sans Light" charset="0"/>
+                <a:ea typeface="Open Sans Light" charset="0"/>
+                <a:cs typeface="Open Sans Light" charset="0"/>
+              </a:rPr>
+              <a:t>CloudFormation</a:t>
             </a:r>
             <a:endParaRPr lang="en-US" sz="1800" dirty="0">
               <a:latin typeface="Open Sans Light" charset="0"/>
@@ -3854,14 +3871,82 @@
       </p:sp>
       <p:sp>
         <p:nvSpPr>
+          <p:cNvPr id="157" name="Rectangle 156"/>
+          <p:cNvSpPr/>
+          <p:nvPr/>
+        </p:nvSpPr>
+        <p:spPr>
+          <a:xfrm>
+            <a:off x="1381319" y="1863823"/>
+            <a:ext cx="2927000" cy="2082853"/>
+          </a:xfrm>
+          <a:prstGeom prst="rect">
+            <a:avLst/>
+          </a:prstGeom>
+          <a:solidFill>
+            <a:schemeClr val="accent1"/>
+          </a:solidFill>
+          <a:ln>
+            <a:solidFill>
+              <a:schemeClr val="bg1"/>
+            </a:solidFill>
+          </a:ln>
+        </p:spPr>
+        <p:style>
+          <a:lnRef idx="2">
+            <a:schemeClr val="accent1">
+              <a:shade val="50000"/>
+            </a:schemeClr>
+          </a:lnRef>
+          <a:fillRef idx="1">
+            <a:schemeClr val="accent1"/>
+          </a:fillRef>
+          <a:effectRef idx="0">
+            <a:schemeClr val="accent1"/>
+          </a:effectRef>
+          <a:fontRef idx="minor">
+            <a:schemeClr val="lt1"/>
+          </a:fontRef>
+        </p:style>
+        <p:txBody>
+          <a:bodyPr lIns="68681" tIns="34340" rIns="68681" bIns="34340" anchor="t"/>
+          <a:lstStyle/>
+          <a:p>
+            <a:pPr defTabSz="343403" eaLnBrk="1" fontAlgn="auto" hangingPunct="1">
+              <a:spcBef>
+                <a:spcPts val="0"/>
+              </a:spcBef>
+              <a:spcAft>
+                <a:spcPts val="0"/>
+              </a:spcAft>
+              <a:defRPr/>
+            </a:pPr>
+            <a:r>
+              <a:rPr lang="en-US" dirty="0" smtClean="0">
+                <a:latin typeface="Open Sans Light" charset="0"/>
+                <a:ea typeface="Open Sans Light" charset="0"/>
+                <a:cs typeface="Open Sans Light" charset="0"/>
+              </a:rPr>
+              <a:t> </a:t>
+            </a:r>
+            <a:endParaRPr lang="en-US" sz="1800" dirty="0">
+              <a:latin typeface="Open Sans Light" charset="0"/>
+              <a:ea typeface="Open Sans Light" charset="0"/>
+              <a:cs typeface="Open Sans Light" charset="0"/>
+            </a:endParaRPr>
+          </a:p>
+        </p:txBody>
+      </p:sp>
+      <p:sp>
+        <p:nvSpPr>
           <p:cNvPr id="15" name="Rectangle 14"/>
           <p:cNvSpPr/>
           <p:nvPr/>
         </p:nvSpPr>
         <p:spPr>
           <a:xfrm>
-            <a:off x="4589319" y="2213568"/>
-            <a:ext cx="1917249" cy="2207355"/>
+            <a:off x="4490330" y="2045112"/>
+            <a:ext cx="1952279" cy="2207355"/>
           </a:xfrm>
           <a:prstGeom prst="rect">
             <a:avLst/>
@@ -3893,7 +3978,7 @@
           <a:bodyPr lIns="68681" tIns="34340" rIns="68681" bIns="34340" anchor="t"/>
           <a:lstStyle/>
           <a:p>
-            <a:pPr algn="ctr" defTabSz="343403" eaLnBrk="1" fontAlgn="auto" hangingPunct="1">
+            <a:pPr algn="r" defTabSz="343403" eaLnBrk="1" fontAlgn="auto" hangingPunct="1">
               <a:spcBef>
                 <a:spcPts val="0"/>
               </a:spcBef>
@@ -3920,134 +4005,13 @@
       </p:sp>
       <p:sp>
         <p:nvSpPr>
-          <p:cNvPr id="99" name="Rectangle 98"/>
-          <p:cNvSpPr/>
-          <p:nvPr/>
-        </p:nvSpPr>
-        <p:spPr>
-          <a:xfrm>
-            <a:off x="1322403" y="2213567"/>
-            <a:ext cx="3442460" cy="2207355"/>
-          </a:xfrm>
-          <a:prstGeom prst="rect">
-            <a:avLst/>
-          </a:prstGeom>
-          <a:solidFill>
-            <a:srgbClr val="FF6600"/>
-          </a:solidFill>
-          <a:ln>
-            <a:noFill/>
-          </a:ln>
-        </p:spPr>
-        <p:style>
-          <a:lnRef idx="2">
-            <a:schemeClr val="accent1">
-              <a:shade val="50000"/>
-            </a:schemeClr>
-          </a:lnRef>
-          <a:fillRef idx="1">
-            <a:schemeClr val="accent1"/>
-          </a:fillRef>
-          <a:effectRef idx="0">
-            <a:schemeClr val="accent1"/>
-          </a:effectRef>
-          <a:fontRef idx="minor">
-            <a:schemeClr val="lt1"/>
-          </a:fontRef>
-        </p:style>
-        <p:txBody>
-          <a:bodyPr lIns="68681" tIns="34340" rIns="68681" bIns="34340" anchor="b"/>
-          <a:lstStyle/>
-          <a:p>
-            <a:pPr defTabSz="343403" eaLnBrk="1" fontAlgn="auto" hangingPunct="1">
-              <a:spcBef>
-                <a:spcPts val="0"/>
-              </a:spcBef>
-              <a:spcAft>
-                <a:spcPts val="0"/>
-              </a:spcAft>
-              <a:defRPr/>
-            </a:pPr>
-            <a:endParaRPr lang="en-US" sz="1800" dirty="0" smtClean="0">
-              <a:latin typeface="Open Sans Light" charset="0"/>
-              <a:ea typeface="Open Sans Light" charset="0"/>
-              <a:cs typeface="Open Sans Light" charset="0"/>
-            </a:endParaRPr>
-          </a:p>
-        </p:txBody>
-      </p:sp>
-      <p:sp>
-        <p:nvSpPr>
-          <p:cNvPr id="44" name="Rectangle 43"/>
-          <p:cNvSpPr/>
-          <p:nvPr/>
-        </p:nvSpPr>
-        <p:spPr>
-          <a:xfrm>
-            <a:off x="1402311" y="2295718"/>
-            <a:ext cx="2438956" cy="2028746"/>
-          </a:xfrm>
-          <a:prstGeom prst="rect">
-            <a:avLst/>
-          </a:prstGeom>
-          <a:solidFill>
-            <a:srgbClr val="FF6600"/>
-          </a:solidFill>
-          <a:ln>
-            <a:solidFill>
-              <a:schemeClr val="bg1"/>
-            </a:solidFill>
-          </a:ln>
-        </p:spPr>
-        <p:style>
-          <a:lnRef idx="2">
-            <a:schemeClr val="accent1">
-              <a:shade val="50000"/>
-            </a:schemeClr>
-          </a:lnRef>
-          <a:fillRef idx="1">
-            <a:schemeClr val="accent1"/>
-          </a:fillRef>
-          <a:effectRef idx="0">
-            <a:schemeClr val="accent1"/>
-          </a:effectRef>
-          <a:fontRef idx="minor">
-            <a:schemeClr val="lt1"/>
-          </a:fontRef>
-        </p:style>
-        <p:txBody>
-          <a:bodyPr lIns="68681" tIns="34340" rIns="68681" bIns="34340" anchor="t"/>
-          <a:lstStyle/>
-          <a:p>
-            <a:pPr defTabSz="343403" eaLnBrk="1" fontAlgn="auto" hangingPunct="1">
-              <a:spcBef>
-                <a:spcPts val="0"/>
-              </a:spcBef>
-              <a:spcAft>
-                <a:spcPts val="0"/>
-              </a:spcAft>
-              <a:defRPr/>
-            </a:pPr>
-            <a:r>
-              <a:rPr lang="en-US" sz="1800" dirty="0" smtClean="0">
-                <a:latin typeface="Open Sans Light" charset="0"/>
-                <a:ea typeface="Open Sans Light" charset="0"/>
-                <a:cs typeface="Open Sans Light" charset="0"/>
-              </a:rPr>
-              <a:t>local</a:t>
-            </a:r>
-          </a:p>
-        </p:txBody>
-      </p:sp>
-      <p:sp>
-        <p:nvSpPr>
           <p:cNvPr id="138" name="Rectangle 137"/>
           <p:cNvSpPr/>
           <p:nvPr/>
         </p:nvSpPr>
         <p:spPr>
           <a:xfrm>
-            <a:off x="7501597" y="2831014"/>
+            <a:off x="7501597" y="2580334"/>
             <a:ext cx="765380" cy="1173706"/>
           </a:xfrm>
           <a:prstGeom prst="rect">
@@ -4185,8 +4149,8 @@
         </p:nvCxnSpPr>
         <p:spPr>
           <a:xfrm>
-            <a:off x="6559044" y="2921998"/>
-            <a:ext cx="750841" cy="0"/>
+            <a:off x="6388200" y="2671318"/>
+            <a:ext cx="921685" cy="0"/>
           </a:xfrm>
           <a:prstGeom prst="line">
             <a:avLst/>
@@ -4222,7 +4186,7 @@
         </p:nvCxnSpPr>
         <p:spPr>
           <a:xfrm flipH="1">
-            <a:off x="6538054" y="3561475"/>
+            <a:off x="6428410" y="3343009"/>
             <a:ext cx="1016019" cy="0"/>
           </a:xfrm>
           <a:prstGeom prst="line">
@@ -4259,8 +4223,8 @@
         </p:nvSpPr>
         <p:spPr>
           <a:xfrm>
-            <a:off x="5426053" y="2992602"/>
-            <a:ext cx="1059526" cy="475920"/>
+            <a:off x="5328674" y="2803520"/>
+            <a:ext cx="1059526" cy="380898"/>
           </a:xfrm>
           <a:prstGeom prst="rect">
             <a:avLst/>
@@ -4291,7 +4255,7 @@
           </a:fontRef>
         </p:style>
         <p:txBody>
-          <a:bodyPr lIns="68681" tIns="34340" rIns="68681" bIns="34340" anchor="ctr"/>
+          <a:bodyPr lIns="68681" tIns="34340" rIns="68681" bIns="34340" anchor="t"/>
           <a:lstStyle/>
           <a:p>
             <a:pPr algn="ctr" defTabSz="343403" eaLnBrk="1" fontAlgn="auto" hangingPunct="1">
@@ -4330,8 +4294,8 @@
         </p:nvCxnSpPr>
         <p:spPr>
           <a:xfrm rot="10800000" flipV="1">
-            <a:off x="3000827" y="1637911"/>
-            <a:ext cx="4325570" cy="932003"/>
+            <a:off x="3485089" y="1774951"/>
+            <a:ext cx="3841309" cy="270203"/>
           </a:xfrm>
           <a:prstGeom prst="bentConnector2">
             <a:avLst/>
@@ -4368,7 +4332,7 @@
         </p:nvSpPr>
         <p:spPr>
           <a:xfrm>
-            <a:off x="6569539" y="2551883"/>
+            <a:off x="6569539" y="2351825"/>
             <a:ext cx="775332" cy="385309"/>
           </a:xfrm>
           <a:prstGeom prst="rect">
@@ -4411,7 +4375,7 @@
             <a:r>
               <a:rPr lang="en-US" sz="1600" b="1" dirty="0" smtClean="0">
                 <a:solidFill>
-                  <a:srgbClr val="BFBFBF"/>
+                  <a:schemeClr val="tx1"/>
                 </a:solidFill>
                 <a:latin typeface="Open Sans Light" charset="0"/>
                 <a:ea typeface="Open Sans Light" charset="0"/>
@@ -4421,7 +4385,7 @@
             </a:r>
             <a:endParaRPr lang="en-US" sz="1600" b="1" dirty="0">
               <a:solidFill>
-                <a:srgbClr val="BFBFBF"/>
+                <a:schemeClr val="tx1"/>
               </a:solidFill>
               <a:latin typeface="Open Sans Light" charset="0"/>
               <a:ea typeface="Open Sans Light" charset="0"/>
@@ -4438,7 +4402,7 @@
         </p:nvSpPr>
         <p:spPr>
           <a:xfrm>
-            <a:off x="6594030" y="3529987"/>
+            <a:off x="6594030" y="3279307"/>
             <a:ext cx="726350" cy="385309"/>
           </a:xfrm>
           <a:prstGeom prst="rect">
@@ -4481,7 +4445,7 @@
             <a:r>
               <a:rPr lang="en-US" sz="1600" b="1" dirty="0" smtClean="0">
                 <a:solidFill>
-                  <a:srgbClr val="BFBFBF"/>
+                  <a:schemeClr val="tx1"/>
                 </a:solidFill>
                 <a:latin typeface="Open Sans Light" charset="0"/>
                 <a:ea typeface="Open Sans Light" charset="0"/>
@@ -4491,7 +4455,7 @@
             </a:r>
             <a:endParaRPr lang="en-US" sz="1600" b="1" dirty="0">
               <a:solidFill>
-                <a:srgbClr val="BFBFBF"/>
+                <a:schemeClr val="tx1"/>
               </a:solidFill>
               <a:latin typeface="Open Sans Light" charset="0"/>
               <a:ea typeface="Open Sans Light" charset="0"/>
@@ -4503,13 +4467,15 @@
       <p:cxnSp>
         <p:nvCxnSpPr>
           <p:cNvPr id="55" name="Straight Connector 54"/>
-          <p:cNvCxnSpPr/>
+          <p:cNvCxnSpPr>
+            <a:endCxn id="29" idx="3"/>
+          </p:cNvCxnSpPr>
           <p:nvPr/>
         </p:nvCxnSpPr>
         <p:spPr>
           <a:xfrm flipH="1">
-            <a:off x="6538054" y="3230562"/>
-            <a:ext cx="772797" cy="0"/>
+            <a:off x="6388200" y="2979882"/>
+            <a:ext cx="922652" cy="14087"/>
           </a:xfrm>
           <a:prstGeom prst="line">
             <a:avLst/>
@@ -4545,7 +4511,7 @@
         </p:nvSpPr>
         <p:spPr>
           <a:xfrm>
-            <a:off x="7326397" y="1407501"/>
+            <a:off x="7326397" y="1544541"/>
             <a:ext cx="822960" cy="460822"/>
           </a:xfrm>
           <a:prstGeom prst="can">
@@ -4598,7 +4564,7 @@
         </p:nvSpPr>
         <p:spPr>
           <a:xfrm>
-            <a:off x="1441519" y="638037"/>
+            <a:off x="1404971" y="638037"/>
             <a:ext cx="1780527" cy="429405"/>
           </a:xfrm>
           <a:prstGeom prst="can">
@@ -4645,7 +4611,7 @@
         </p:nvSpPr>
         <p:spPr>
           <a:xfrm>
-            <a:off x="1455766" y="648533"/>
+            <a:off x="1419218" y="648533"/>
             <a:ext cx="1742446" cy="471389"/>
           </a:xfrm>
           <a:prstGeom prst="roundRect">
@@ -4698,8 +4664,8 @@
         </p:nvSpPr>
         <p:spPr>
           <a:xfrm>
-            <a:off x="5205649" y="3762915"/>
-            <a:ext cx="1059525" cy="434442"/>
+            <a:off x="5175110" y="3601331"/>
+            <a:ext cx="1059525" cy="345346"/>
           </a:xfrm>
           <a:prstGeom prst="rect">
             <a:avLst/>
@@ -4766,7 +4732,7 @@
         </p:nvSpPr>
         <p:spPr>
           <a:xfrm>
-            <a:off x="7310850" y="2741590"/>
+            <a:off x="7310850" y="2490910"/>
             <a:ext cx="854054" cy="1173706"/>
           </a:xfrm>
           <a:prstGeom prst="rect">
@@ -4798,7 +4764,7 @@
           </a:fontRef>
         </p:style>
         <p:txBody>
-          <a:bodyPr lIns="68681" tIns="34340" rIns="68681" bIns="34340" anchor="ctr"/>
+          <a:bodyPr lIns="68681" tIns="34340" rIns="68681" bIns="34340" anchor="t"/>
           <a:lstStyle/>
           <a:p>
             <a:pPr algn="ctr" defTabSz="343403" eaLnBrk="1" fontAlgn="auto" hangingPunct="1">
@@ -4834,8 +4800,8 @@
         </p:nvSpPr>
         <p:spPr>
           <a:xfrm>
-            <a:off x="7105297" y="4044233"/>
-            <a:ext cx="1313964" cy="345044"/>
+            <a:off x="7141728" y="3812233"/>
+            <a:ext cx="1213573" cy="345044"/>
           </a:xfrm>
           <a:prstGeom prst="roundRect">
             <a:avLst/>
@@ -4865,6 +4831,33 @@
           <a:lstStyle/>
           <a:p>
             <a:pPr algn="r"/>
+            <a:endParaRPr lang="en-US" sz="600" dirty="0" smtClean="0">
+              <a:solidFill>
+                <a:schemeClr val="bg1">
+                  <a:lumMod val="75000"/>
+                </a:schemeClr>
+              </a:solidFill>
+              <a:latin typeface="Open Sans Light"/>
+              <a:cs typeface="Open Sans Light"/>
+            </a:endParaRPr>
+          </a:p>
+          <a:p>
+            <a:pPr algn="r"/>
+            <a:r>
+              <a:rPr lang="en-US" sz="600" dirty="0" smtClean="0">
+                <a:solidFill>
+                  <a:schemeClr val="bg1">
+                    <a:lumMod val="75000"/>
+                  </a:schemeClr>
+                </a:solidFill>
+                <a:latin typeface="Open Sans Light"/>
+                <a:cs typeface="Open Sans Light"/>
+              </a:rPr>
+              <a:t>Ansible-overview-v02.pptx.</a:t>
+            </a:r>
+          </a:p>
+          <a:p>
+            <a:pPr algn="r"/>
             <a:r>
               <a:rPr lang="en-US" sz="600" dirty="0" smtClean="0">
                 <a:solidFill>
@@ -4912,46 +4905,6 @@
           </a:p>
         </p:txBody>
       </p:sp>
-      <p:cxnSp>
-        <p:nvCxnSpPr>
-          <p:cNvPr id="31" name="Straight Connector 30"/>
-          <p:cNvCxnSpPr>
-            <a:stCxn id="114" idx="0"/>
-          </p:cNvCxnSpPr>
-          <p:nvPr/>
-        </p:nvCxnSpPr>
-        <p:spPr>
-          <a:xfrm flipH="1">
-            <a:off x="2586077" y="2569915"/>
-            <a:ext cx="414750" cy="558403"/>
-          </a:xfrm>
-          <a:prstGeom prst="line">
-            <a:avLst/>
-          </a:prstGeom>
-          <a:ln w="25400">
-            <a:solidFill>
-              <a:schemeClr val="tx1"/>
-            </a:solidFill>
-            <a:prstDash val="sysDot"/>
-            <a:headEnd type="none" w="lg" len="lg"/>
-            <a:tailEnd type="triangle" w="lg" len="med"/>
-          </a:ln>
-        </p:spPr>
-        <p:style>
-          <a:lnRef idx="1">
-            <a:schemeClr val="accent1"/>
-          </a:lnRef>
-          <a:fillRef idx="0">
-            <a:schemeClr val="accent1"/>
-          </a:fillRef>
-          <a:effectRef idx="0">
-            <a:schemeClr val="accent1"/>
-          </a:effectRef>
-          <a:fontRef idx="minor">
-            <a:schemeClr val="tx1"/>
-          </a:fontRef>
-        </p:style>
-      </p:cxnSp>
       <p:sp>
         <p:nvSpPr>
           <p:cNvPr id="32" name="Can 31"/>
@@ -4960,17 +4913,19 @@
         </p:nvSpPr>
         <p:spPr>
           <a:xfrm>
-            <a:off x="1381320" y="4486436"/>
-            <a:ext cx="2040138" cy="722131"/>
+            <a:off x="1381319" y="4235756"/>
+            <a:ext cx="2459947" cy="722131"/>
           </a:xfrm>
           <a:prstGeom prst="can">
             <a:avLst/>
           </a:prstGeom>
           <a:solidFill>
-            <a:srgbClr val="FF6600"/>
+            <a:srgbClr val="FFFFFF"/>
           </a:solidFill>
           <a:ln>
-            <a:noFill/>
+            <a:solidFill>
+              <a:srgbClr val="C0504D"/>
+            </a:solidFill>
           </a:ln>
         </p:spPr>
         <p:style>
@@ -4992,6 +4947,9 @@
           <a:lstStyle/>
           <a:p>
             <a:endParaRPr lang="en-US" dirty="0">
+              <a:solidFill>
+                <a:srgbClr val="F79646"/>
+              </a:solidFill>
               <a:latin typeface="Open Sans Light"/>
               <a:cs typeface="Open Sans Light"/>
             </a:endParaRPr>
@@ -5006,8 +4964,8 @@
         </p:nvSpPr>
         <p:spPr>
           <a:xfrm>
-            <a:off x="1370824" y="4553045"/>
-            <a:ext cx="1088288" cy="732627"/>
+            <a:off x="2133693" y="4536741"/>
+            <a:ext cx="1835148" cy="376861"/>
           </a:xfrm>
           <a:prstGeom prst="roundRect">
             <a:avLst/>
@@ -5039,63 +4997,17 @@
             <a:pPr algn="ctr"/>
             <a:r>
               <a:rPr lang="en-US" dirty="0" smtClean="0">
+                <a:solidFill>
+                  <a:srgbClr val="F79646"/>
+                </a:solidFill>
                 <a:latin typeface="Open Sans Light"/>
                 <a:cs typeface="Open Sans Light"/>
               </a:rPr>
-              <a:t>Ansible</a:t>
-            </a:r>
-          </a:p>
-          <a:p>
-            <a:pPr algn="ctr"/>
-            <a:r>
-              <a:rPr lang="en-US" dirty="0" smtClean="0">
-                <a:latin typeface="Open Sans Light"/>
-                <a:cs typeface="Open Sans Light"/>
-              </a:rPr>
-              <a:t>Galaxy</a:t>
-            </a:r>
-          </a:p>
-        </p:txBody>
-      </p:sp>
-      <p:cxnSp>
-        <p:nvCxnSpPr>
-          <p:cNvPr id="34" name="Straight Connector 101"/>
-          <p:cNvCxnSpPr>
-            <a:stCxn id="37" idx="0"/>
-          </p:cNvCxnSpPr>
-          <p:nvPr/>
-        </p:nvCxnSpPr>
-        <p:spPr>
-          <a:xfrm flipV="1">
-            <a:off x="2831207" y="3505759"/>
-            <a:ext cx="0" cy="1238746"/>
-          </a:xfrm>
-          <a:prstGeom prst="straightConnector1">
-            <a:avLst/>
-          </a:prstGeom>
-          <a:ln w="25400">
-            <a:solidFill>
-              <a:schemeClr val="tx1"/>
-            </a:solidFill>
-            <a:headEnd type="none" w="lg" len="lg"/>
-            <a:tailEnd type="triangle" w="lg" len="lg"/>
-          </a:ln>
-        </p:spPr>
-        <p:style>
-          <a:lnRef idx="1">
-            <a:schemeClr val="accent1"/>
-          </a:lnRef>
-          <a:fillRef idx="0">
-            <a:schemeClr val="accent1"/>
-          </a:fillRef>
-          <a:effectRef idx="0">
-            <a:schemeClr val="accent1"/>
-          </a:effectRef>
-          <a:fontRef idx="minor">
-            <a:schemeClr val="tx1"/>
-          </a:fontRef>
-        </p:style>
-      </p:cxnSp>
+              <a:t>Ansible Galaxy</a:t>
+            </a:r>
+          </a:p>
+        </p:txBody>
+      </p:sp>
       <p:sp>
         <p:nvSpPr>
           <p:cNvPr id="37" name="Rounded Rectangle 36"/>
@@ -5104,18 +5016,18 @@
         </p:nvSpPr>
         <p:spPr>
           <a:xfrm>
-            <a:off x="2383650" y="4744505"/>
-            <a:ext cx="895114" cy="339593"/>
+            <a:off x="1435731" y="4493825"/>
+            <a:ext cx="731817" cy="339593"/>
           </a:xfrm>
           <a:prstGeom prst="roundRect">
             <a:avLst/>
           </a:prstGeom>
           <a:solidFill>
-            <a:srgbClr val="FF6600"/>
+            <a:srgbClr val="FFFFFF"/>
           </a:solidFill>
           <a:ln>
             <a:solidFill>
-              <a:schemeClr val="bg1"/>
+              <a:srgbClr val="C0504D"/>
             </a:solidFill>
           </a:ln>
           <a:effectLst/>
@@ -5135,119 +5047,30 @@
           </a:fontRef>
         </p:style>
         <p:txBody>
-          <a:bodyPr anchor="ctr"/>
+          <a:bodyPr anchor="b"/>
           <a:lstStyle/>
           <a:p>
             <a:pPr algn="ctr"/>
             <a:r>
               <a:rPr lang="en-US" dirty="0" smtClean="0">
+                <a:solidFill>
+                  <a:srgbClr val="F79646"/>
+                </a:solidFill>
                 <a:latin typeface="Open Sans Light"/>
                 <a:cs typeface="Open Sans Light"/>
               </a:rPr>
               <a:t>roles</a:t>
             </a:r>
             <a:endParaRPr lang="en-US" dirty="0">
+              <a:solidFill>
+                <a:srgbClr val="F79646"/>
+              </a:solidFill>
               <a:latin typeface="Open Sans Light"/>
               <a:cs typeface="Open Sans Light"/>
             </a:endParaRPr>
           </a:p>
         </p:txBody>
       </p:sp>
-      <p:cxnSp>
-        <p:nvCxnSpPr>
-          <p:cNvPr id="36" name="Straight Connector 35"/>
-          <p:cNvCxnSpPr>
-            <a:stCxn id="40" idx="1"/>
-          </p:cNvCxnSpPr>
-          <p:nvPr/>
-        </p:nvCxnSpPr>
-        <p:spPr>
-          <a:xfrm rot="10800000" flipV="1">
-            <a:off x="2088559" y="1313035"/>
-            <a:ext cx="1141139" cy="1815283"/>
-          </a:xfrm>
-          <a:prstGeom prst="bentConnector2">
-            <a:avLst/>
-          </a:prstGeom>
-          <a:ln w="25400">
-            <a:solidFill>
-              <a:schemeClr val="tx1"/>
-            </a:solidFill>
-            <a:prstDash val="solid"/>
-            <a:headEnd type="none" w="lg" len="lg"/>
-            <a:tailEnd type="triangle" w="lg" len="lg"/>
-          </a:ln>
-        </p:spPr>
-        <p:style>
-          <a:lnRef idx="1">
-            <a:schemeClr val="accent1"/>
-          </a:lnRef>
-          <a:fillRef idx="0">
-            <a:schemeClr val="accent1"/>
-          </a:fillRef>
-          <a:effectRef idx="0">
-            <a:schemeClr val="accent1"/>
-          </a:effectRef>
-          <a:fontRef idx="minor">
-            <a:schemeClr val="tx1"/>
-          </a:fontRef>
-        </p:style>
-      </p:cxnSp>
-      <p:sp>
-        <p:nvSpPr>
-          <p:cNvPr id="38" name="Can 37"/>
-          <p:cNvSpPr/>
-          <p:nvPr/>
-        </p:nvSpPr>
-        <p:spPr>
-          <a:xfrm>
-            <a:off x="5024519" y="987944"/>
-            <a:ext cx="1569511" cy="504631"/>
-          </a:xfrm>
-          <a:prstGeom prst="can">
-            <a:avLst/>
-          </a:prstGeom>
-          <a:solidFill>
-            <a:srgbClr val="FF6600"/>
-          </a:solidFill>
-          <a:ln>
-            <a:noFill/>
-          </a:ln>
-          <a:effectLst/>
-        </p:spPr>
-        <p:style>
-          <a:lnRef idx="1">
-            <a:schemeClr val="accent1"/>
-          </a:lnRef>
-          <a:fillRef idx="3">
-            <a:schemeClr val="accent1"/>
-          </a:fillRef>
-          <a:effectRef idx="2">
-            <a:schemeClr val="accent1"/>
-          </a:effectRef>
-          <a:fontRef idx="minor">
-            <a:schemeClr val="lt1"/>
-          </a:fontRef>
-        </p:style>
-        <p:txBody>
-          <a:bodyPr/>
-          <a:lstStyle/>
-          <a:p>
-            <a:pPr algn="ctr"/>
-            <a:r>
-              <a:rPr lang="en-US" dirty="0" smtClean="0">
-                <a:latin typeface="Open Sans Light"/>
-                <a:cs typeface="Open Sans Light"/>
-              </a:rPr>
-              <a:t>Google sheet</a:t>
-            </a:r>
-            <a:endParaRPr lang="en-US" dirty="0">
-              <a:latin typeface="Open Sans Light"/>
-              <a:cs typeface="Open Sans Light"/>
-            </a:endParaRPr>
-          </a:p>
-        </p:txBody>
-      </p:sp>
       <p:sp>
         <p:nvSpPr>
           <p:cNvPr id="40" name="Rectangle 39"/>
@@ -5256,14 +5079,16 @@
         </p:nvSpPr>
         <p:spPr>
           <a:xfrm>
-            <a:off x="3229697" y="1138790"/>
-            <a:ext cx="1566652" cy="348492"/>
+            <a:off x="2884714" y="1184470"/>
+            <a:ext cx="1372551" cy="348492"/>
           </a:xfrm>
           <a:prstGeom prst="rect">
             <a:avLst/>
           </a:prstGeom>
           <a:solidFill>
-            <a:schemeClr val="accent1"/>
+            <a:schemeClr val="accent1">
+              <a:alpha val="37000"/>
+            </a:schemeClr>
           </a:solidFill>
           <a:ln>
             <a:solidFill>
@@ -5306,7 +5131,7 @@
                 <a:ea typeface="Open Sans Light" charset="0"/>
                 <a:cs typeface="Open Sans Light" charset="0"/>
               </a:rPr>
-              <a:t>my generator</a:t>
+              <a:t>generator</a:t>
             </a:r>
             <a:endParaRPr lang="en-US" sz="1800" dirty="0">
               <a:latin typeface="Open Sans Light" charset="0"/>
@@ -5324,8 +5149,8 @@
         </p:nvCxnSpPr>
         <p:spPr>
           <a:xfrm flipH="1">
-            <a:off x="4785854" y="1324228"/>
-            <a:ext cx="228170" cy="9800"/>
+            <a:off x="4237635" y="1361436"/>
+            <a:ext cx="316654" cy="0"/>
           </a:xfrm>
           <a:prstGeom prst="line">
             <a:avLst/>
@@ -5334,7 +5159,7 @@
             <a:solidFill>
               <a:schemeClr val="tx1"/>
             </a:solidFill>
-            <a:prstDash val="dash"/>
+            <a:prstDash val="solid"/>
             <a:headEnd type="none" w="lg" len="lg"/>
             <a:tailEnd type="triangle" w="lg" len="lg"/>
           </a:ln>
@@ -5365,8 +5190,8 @@
         </p:nvCxnSpPr>
         <p:spPr>
           <a:xfrm flipV="1">
-            <a:off x="7737877" y="1868323"/>
-            <a:ext cx="0" cy="873267"/>
+            <a:off x="7737877" y="2005363"/>
+            <a:ext cx="0" cy="485547"/>
           </a:xfrm>
           <a:prstGeom prst="line">
             <a:avLst/>
@@ -5403,17 +5228,15 @@
         </p:nvCxnSpPr>
         <p:spPr>
           <a:xfrm flipV="1">
-            <a:off x="1700055" y="1067446"/>
-            <a:ext cx="0" cy="1228272"/>
+            <a:off x="1609395" y="1067447"/>
+            <a:ext cx="8427" cy="1512887"/>
           </a:xfrm>
           <a:prstGeom prst="straightConnector1">
             <a:avLst/>
           </a:prstGeom>
           <a:ln w="12700">
             <a:solidFill>
-              <a:schemeClr val="bg1">
-                <a:lumMod val="65000"/>
-              </a:schemeClr>
+              <a:schemeClr val="tx1"/>
             </a:solidFill>
             <a:headEnd type="triangle" w="lg" len="lg"/>
             <a:tailEnd type="triangle" w="lg" len="lg"/>
@@ -5442,7 +5265,7 @@
         </p:nvSpPr>
         <p:spPr>
           <a:xfrm>
-            <a:off x="2400454" y="2569915"/>
+            <a:off x="2884715" y="2045155"/>
             <a:ext cx="1200746" cy="353846"/>
           </a:xfrm>
           <a:prstGeom prst="roundRect">
@@ -5493,20 +5316,22 @@
       </p:sp>
       <p:sp>
         <p:nvSpPr>
-          <p:cNvPr id="157" name="Rectangle 156"/>
+          <p:cNvPr id="183" name="Rectangle 182"/>
           <p:cNvSpPr/>
           <p:nvPr/>
         </p:nvSpPr>
         <p:spPr>
           <a:xfrm>
-            <a:off x="4308320" y="5059992"/>
-            <a:ext cx="2492612" cy="456591"/>
+            <a:off x="6442823" y="1122961"/>
+            <a:ext cx="1131872" cy="348492"/>
           </a:xfrm>
           <a:prstGeom prst="rect">
             <a:avLst/>
           </a:prstGeom>
           <a:solidFill>
-            <a:schemeClr val="accent1"/>
+            <a:schemeClr val="accent1">
+              <a:alpha val="37000"/>
+            </a:schemeClr>
           </a:solidFill>
           <a:ln>
             <a:solidFill>
@@ -5531,199 +5356,6 @@
           </a:fontRef>
         </p:style>
         <p:txBody>
-          <a:bodyPr lIns="68681" tIns="34340" rIns="68681" bIns="34340" anchor="ctr"/>
-          <a:lstStyle/>
-          <a:p>
-            <a:pPr defTabSz="343403" eaLnBrk="1" fontAlgn="auto" hangingPunct="1">
-              <a:spcBef>
-                <a:spcPts val="0"/>
-              </a:spcBef>
-              <a:spcAft>
-                <a:spcPts val="0"/>
-              </a:spcAft>
-              <a:defRPr/>
-            </a:pPr>
-            <a:r>
-              <a:rPr lang="en-US" dirty="0" smtClean="0">
-                <a:latin typeface="Open Sans Light" charset="0"/>
-                <a:ea typeface="Open Sans Light" charset="0"/>
-                <a:cs typeface="Open Sans Light" charset="0"/>
-              </a:rPr>
-              <a:t>Jenkins</a:t>
-            </a:r>
-            <a:endParaRPr lang="en-US" sz="1800" dirty="0">
-              <a:latin typeface="Open Sans Light" charset="0"/>
-              <a:ea typeface="Open Sans Light" charset="0"/>
-              <a:cs typeface="Open Sans Light" charset="0"/>
-            </a:endParaRPr>
-          </a:p>
-        </p:txBody>
-      </p:sp>
-      <p:cxnSp>
-        <p:nvCxnSpPr>
-          <p:cNvPr id="158" name="Straight Connector 157"/>
-          <p:cNvCxnSpPr>
-            <a:endCxn id="130" idx="2"/>
-          </p:cNvCxnSpPr>
-          <p:nvPr/>
-        </p:nvCxnSpPr>
-        <p:spPr>
-          <a:xfrm flipV="1">
-            <a:off x="5735412" y="4197357"/>
-            <a:ext cx="0" cy="945722"/>
-          </a:xfrm>
-          <a:prstGeom prst="straightConnector1">
-            <a:avLst/>
-          </a:prstGeom>
-          <a:ln w="25400">
-            <a:solidFill>
-              <a:schemeClr val="tx1"/>
-            </a:solidFill>
-            <a:prstDash val="solid"/>
-            <a:headEnd type="none" w="lg" len="lg"/>
-            <a:tailEnd type="triangle" w="lg" len="lg"/>
-          </a:ln>
-        </p:spPr>
-        <p:style>
-          <a:lnRef idx="1">
-            <a:schemeClr val="accent1"/>
-          </a:lnRef>
-          <a:fillRef idx="0">
-            <a:schemeClr val="accent1"/>
-          </a:fillRef>
-          <a:effectRef idx="0">
-            <a:schemeClr val="accent1"/>
-          </a:effectRef>
-          <a:fontRef idx="minor">
-            <a:schemeClr val="tx1"/>
-          </a:fontRef>
-        </p:style>
-      </p:cxnSp>
-      <p:cxnSp>
-        <p:nvCxnSpPr>
-          <p:cNvPr id="163" name="Straight Connector 101"/>
-          <p:cNvCxnSpPr>
-            <a:stCxn id="79" idx="2"/>
-            <a:endCxn id="157" idx="1"/>
-          </p:cNvCxnSpPr>
-          <p:nvPr/>
-        </p:nvCxnSpPr>
-        <p:spPr>
-          <a:xfrm rot="10800000" flipH="1" flipV="1">
-            <a:off x="1441518" y="852740"/>
-            <a:ext cx="2866801" cy="4435548"/>
-          </a:xfrm>
-          <a:prstGeom prst="bentConnector3">
-            <a:avLst>
-              <a:gd name="adj1" fmla="val -7974"/>
-            </a:avLst>
-          </a:prstGeom>
-          <a:ln w="12700">
-            <a:solidFill>
-              <a:schemeClr val="bg1">
-                <a:lumMod val="65000"/>
-              </a:schemeClr>
-            </a:solidFill>
-            <a:headEnd type="none" w="lg" len="lg"/>
-            <a:tailEnd type="triangle" w="lg" len="lg"/>
-          </a:ln>
-        </p:spPr>
-        <p:style>
-          <a:lnRef idx="1">
-            <a:schemeClr val="accent1"/>
-          </a:lnRef>
-          <a:fillRef idx="0">
-            <a:schemeClr val="accent1"/>
-          </a:fillRef>
-          <a:effectRef idx="0">
-            <a:schemeClr val="accent1"/>
-          </a:effectRef>
-          <a:fontRef idx="minor">
-            <a:schemeClr val="tx1"/>
-          </a:fontRef>
-        </p:style>
-      </p:cxnSp>
-      <p:cxnSp>
-        <p:nvCxnSpPr>
-          <p:cNvPr id="154" name="Straight Connector 101"/>
-          <p:cNvCxnSpPr>
-            <a:endCxn id="130" idx="1"/>
-          </p:cNvCxnSpPr>
-          <p:nvPr/>
-        </p:nvCxnSpPr>
-        <p:spPr>
-          <a:xfrm>
-            <a:off x="3126767" y="3442783"/>
-            <a:ext cx="2078882" cy="537353"/>
-          </a:xfrm>
-          <a:prstGeom prst="bentConnector3">
-            <a:avLst>
-              <a:gd name="adj1" fmla="val -990"/>
-            </a:avLst>
-          </a:prstGeom>
-          <a:ln w="25400">
-            <a:solidFill>
-              <a:schemeClr val="tx1"/>
-            </a:solidFill>
-            <a:headEnd type="none" w="lg" len="lg"/>
-            <a:tailEnd type="triangle" w="lg" len="lg"/>
-          </a:ln>
-        </p:spPr>
-        <p:style>
-          <a:lnRef idx="1">
-            <a:schemeClr val="accent1"/>
-          </a:lnRef>
-          <a:fillRef idx="0">
-            <a:schemeClr val="accent1"/>
-          </a:fillRef>
-          <a:effectRef idx="0">
-            <a:schemeClr val="accent1"/>
-          </a:effectRef>
-          <a:fontRef idx="minor">
-            <a:schemeClr val="tx1"/>
-          </a:fontRef>
-        </p:style>
-      </p:cxnSp>
-      <p:sp>
-        <p:nvSpPr>
-          <p:cNvPr id="183" name="Rectangle 182"/>
-          <p:cNvSpPr/>
-          <p:nvPr/>
-        </p:nvSpPr>
-        <p:spPr>
-          <a:xfrm>
-            <a:off x="6936569" y="853232"/>
-            <a:ext cx="1554101" cy="348492"/>
-          </a:xfrm>
-          <a:prstGeom prst="rect">
-            <a:avLst/>
-          </a:prstGeom>
-          <a:solidFill>
-            <a:schemeClr val="accent1"/>
-          </a:solidFill>
-          <a:ln>
-            <a:solidFill>
-              <a:schemeClr val="bg1"/>
-            </a:solidFill>
-          </a:ln>
-        </p:spPr>
-        <p:style>
-          <a:lnRef idx="2">
-            <a:schemeClr val="accent1">
-              <a:shade val="50000"/>
-            </a:schemeClr>
-          </a:lnRef>
-          <a:fillRef idx="1">
-            <a:schemeClr val="accent1"/>
-          </a:fillRef>
-          <a:effectRef idx="0">
-            <a:schemeClr val="accent1"/>
-          </a:effectRef>
-          <a:fontRef idx="minor">
-            <a:schemeClr val="lt1"/>
-          </a:fontRef>
-        </p:style>
-        <p:txBody>
           <a:bodyPr lIns="68681" tIns="34340" rIns="68681" bIns="34340" anchor="t"/>
           <a:lstStyle/>
           <a:p>
@@ -5742,7 +5374,7 @@
                 <a:ea typeface="Open Sans Light" charset="0"/>
                 <a:cs typeface="Open Sans Light" charset="0"/>
               </a:rPr>
-              <a:t>my website</a:t>
+              <a:t>website</a:t>
             </a:r>
             <a:endParaRPr lang="en-US" sz="1800" dirty="0">
               <a:latin typeface="Open Sans Light" charset="0"/>
@@ -5763,8 +5395,8 @@
         </p:nvCxnSpPr>
         <p:spPr>
           <a:xfrm flipH="1">
-            <a:off x="6594030" y="1027478"/>
-            <a:ext cx="342539" cy="212782"/>
+            <a:off x="6118906" y="1297207"/>
+            <a:ext cx="323917" cy="7005"/>
           </a:xfrm>
           <a:prstGeom prst="line">
             <a:avLst/>
@@ -5801,18 +5433,18 @@
         </p:nvSpPr>
         <p:spPr>
           <a:xfrm>
-            <a:off x="1504162" y="3128319"/>
-            <a:ext cx="1694050" cy="419424"/>
+            <a:off x="1504161" y="2594423"/>
+            <a:ext cx="2616691" cy="1190402"/>
           </a:xfrm>
           <a:prstGeom prst="roundRect">
             <a:avLst/>
           </a:prstGeom>
           <a:solidFill>
-            <a:srgbClr val="FF6600"/>
+            <a:schemeClr val="bg1"/>
           </a:solidFill>
           <a:ln>
             <a:solidFill>
-              <a:schemeClr val="bg1"/>
+              <a:schemeClr val="accent6"/>
             </a:solidFill>
           </a:ln>
           <a:effectLst/>
@@ -5832,130 +5464,25 @@
           </a:fontRef>
         </p:style>
         <p:txBody>
-          <a:bodyPr anchor="ctr"/>
+          <a:bodyPr anchor="t"/>
           <a:lstStyle/>
           <a:p>
-            <a:pPr algn="ctr"/>
             <a:r>
               <a:rPr lang="en-US" dirty="0" smtClean="0">
+                <a:solidFill>
+                  <a:schemeClr val="accent6"/>
+                </a:solidFill>
                 <a:latin typeface="Open Sans Light"/>
                 <a:cs typeface="Open Sans Light"/>
               </a:rPr>
               <a:t>playbook yml</a:t>
             </a:r>
             <a:endParaRPr lang="en-US" dirty="0">
+              <a:solidFill>
+                <a:schemeClr val="accent6"/>
+              </a:solidFill>
               <a:latin typeface="Open Sans Light"/>
               <a:cs typeface="Open Sans Light"/>
-            </a:endParaRPr>
-          </a:p>
-        </p:txBody>
-      </p:sp>
-      <p:cxnSp>
-        <p:nvCxnSpPr>
-          <p:cNvPr id="42" name="Straight Connector 101"/>
-          <p:cNvCxnSpPr>
-            <a:endCxn id="130" idx="1"/>
-          </p:cNvCxnSpPr>
-          <p:nvPr/>
-        </p:nvCxnSpPr>
-        <p:spPr>
-          <a:xfrm>
-            <a:off x="3126767" y="3561475"/>
-            <a:ext cx="2078882" cy="418661"/>
-          </a:xfrm>
-          <a:prstGeom prst="bentConnector3">
-            <a:avLst>
-              <a:gd name="adj1" fmla="val -485"/>
-            </a:avLst>
-          </a:prstGeom>
-          <a:ln w="25400">
-            <a:solidFill>
-              <a:schemeClr val="tx1"/>
-            </a:solidFill>
-            <a:prstDash val="sysDot"/>
-            <a:headEnd type="none" w="lg" len="lg"/>
-            <a:tailEnd type="triangle" w="lg" len="lg"/>
-          </a:ln>
-        </p:spPr>
-        <p:style>
-          <a:lnRef idx="1">
-            <a:schemeClr val="accent1"/>
-          </a:lnRef>
-          <a:fillRef idx="0">
-            <a:schemeClr val="accent1"/>
-          </a:fillRef>
-          <a:effectRef idx="0">
-            <a:schemeClr val="accent1"/>
-          </a:effectRef>
-          <a:fontRef idx="minor">
-            <a:schemeClr val="tx1"/>
-          </a:fontRef>
-        </p:style>
-      </p:cxnSp>
-      <p:sp>
-        <p:nvSpPr>
-          <p:cNvPr id="136" name="Rectangle 135"/>
-          <p:cNvSpPr/>
-          <p:nvPr/>
-        </p:nvSpPr>
-        <p:spPr>
-          <a:xfrm>
-            <a:off x="2371928" y="3783907"/>
-            <a:ext cx="1363079" cy="392458"/>
-          </a:xfrm>
-          <a:prstGeom prst="rect">
-            <a:avLst/>
-          </a:prstGeom>
-          <a:solidFill>
-            <a:srgbClr val="FF6600"/>
-          </a:solidFill>
-          <a:ln>
-            <a:solidFill>
-              <a:schemeClr val="bg1"/>
-            </a:solidFill>
-          </a:ln>
-        </p:spPr>
-        <p:style>
-          <a:lnRef idx="2">
-            <a:schemeClr val="accent1">
-              <a:shade val="50000"/>
-            </a:schemeClr>
-          </a:lnRef>
-          <a:fillRef idx="1">
-            <a:schemeClr val="accent1"/>
-          </a:fillRef>
-          <a:effectRef idx="0">
-            <a:schemeClr val="accent1"/>
-          </a:effectRef>
-          <a:fontRef idx="minor">
-            <a:schemeClr val="lt1"/>
-          </a:fontRef>
-        </p:style>
-        <p:txBody>
-          <a:bodyPr lIns="68681" tIns="34340" rIns="68681" bIns="34340" anchor="ctr"/>
-          <a:lstStyle/>
-          <a:p>
-            <a:pPr algn="r" defTabSz="343403" eaLnBrk="1" fontAlgn="auto" hangingPunct="1">
-              <a:spcBef>
-                <a:spcPts val="0"/>
-              </a:spcBef>
-              <a:spcAft>
-                <a:spcPts val="0"/>
-              </a:spcAft>
-              <a:defRPr/>
-            </a:pPr>
-            <a:r>
-              <a:rPr lang="en-US" sz="1800" dirty="0" smtClean="0">
-                <a:latin typeface="Open Sans Light" charset="0"/>
-                <a:ea typeface="Open Sans Light" charset="0"/>
-                <a:cs typeface="Open Sans Light" charset="0"/>
-              </a:rPr>
-              <a:t>commands</a:t>
-            </a:r>
-            <a:endParaRPr lang="en-US" sz="1800" dirty="0">
-              <a:latin typeface="Open Sans Light" charset="0"/>
-              <a:ea typeface="Open Sans Light" charset="0"/>
-              <a:cs typeface="Open Sans Light" charset="0"/>
             </a:endParaRPr>
           </a:p>
         </p:txBody>
@@ -5964,20 +5491,20 @@
         <p:nvCxnSpPr>
           <p:cNvPr id="45" name="Straight Connector 101"/>
           <p:cNvCxnSpPr>
-            <a:stCxn id="37" idx="0"/>
+            <a:stCxn id="37" idx="3"/>
             <a:endCxn id="130" idx="1"/>
           </p:cNvCxnSpPr>
           <p:nvPr/>
         </p:nvCxnSpPr>
         <p:spPr>
           <a:xfrm flipV="1">
-            <a:off x="2831207" y="3980136"/>
-            <a:ext cx="2374442" cy="764369"/>
+            <a:off x="2167548" y="3774004"/>
+            <a:ext cx="3007562" cy="889618"/>
           </a:xfrm>
           <a:prstGeom prst="straightConnector1">
             <a:avLst/>
           </a:prstGeom>
-          <a:ln w="25400">
+          <a:ln w="12700">
             <a:solidFill>
               <a:schemeClr val="tx1"/>
             </a:solidFill>
@@ -6001,74 +5528,6 @@
           </a:fontRef>
         </p:style>
       </p:cxnSp>
-      <p:sp>
-        <p:nvSpPr>
-          <p:cNvPr id="50" name="Rectangle 49"/>
-          <p:cNvSpPr/>
-          <p:nvPr/>
-        </p:nvSpPr>
-        <p:spPr>
-          <a:xfrm>
-            <a:off x="5278867" y="5143079"/>
-            <a:ext cx="1417112" cy="285904"/>
-          </a:xfrm>
-          <a:prstGeom prst="rect">
-            <a:avLst/>
-          </a:prstGeom>
-          <a:solidFill>
-            <a:srgbClr val="FF6600"/>
-          </a:solidFill>
-          <a:ln>
-            <a:solidFill>
-              <a:schemeClr val="bg1"/>
-            </a:solidFill>
-          </a:ln>
-        </p:spPr>
-        <p:style>
-          <a:lnRef idx="2">
-            <a:schemeClr val="accent1">
-              <a:shade val="50000"/>
-            </a:schemeClr>
-          </a:lnRef>
-          <a:fillRef idx="1">
-            <a:schemeClr val="accent1"/>
-          </a:fillRef>
-          <a:effectRef idx="0">
-            <a:schemeClr val="accent1"/>
-          </a:effectRef>
-          <a:fontRef idx="minor">
-            <a:schemeClr val="lt1"/>
-          </a:fontRef>
-        </p:style>
-        <p:txBody>
-          <a:bodyPr lIns="68681" tIns="34340" rIns="68681" bIns="34340" anchor="b"/>
-          <a:lstStyle/>
-          <a:p>
-            <a:pPr algn="ctr" defTabSz="343403" eaLnBrk="1" fontAlgn="auto" hangingPunct="1">
-              <a:spcBef>
-                <a:spcPts val="0"/>
-              </a:spcBef>
-              <a:spcAft>
-                <a:spcPts val="0"/>
-              </a:spcAft>
-              <a:defRPr/>
-            </a:pPr>
-            <a:r>
-              <a:rPr lang="en-US" dirty="0" smtClean="0">
-                <a:latin typeface="Open Sans Light" charset="0"/>
-                <a:ea typeface="Open Sans Light" charset="0"/>
-                <a:cs typeface="Open Sans Light" charset="0"/>
-              </a:rPr>
-              <a:t>commands</a:t>
-            </a:r>
-            <a:endParaRPr lang="en-US" sz="1800" dirty="0">
-              <a:latin typeface="Open Sans Light" charset="0"/>
-              <a:ea typeface="Open Sans Light" charset="0"/>
-              <a:cs typeface="Open Sans Light" charset="0"/>
-            </a:endParaRPr>
-          </a:p>
-        </p:txBody>
-      </p:sp>
       <p:cxnSp>
         <p:nvCxnSpPr>
           <p:cNvPr id="73" name="Straight Connector 101"/>
@@ -6078,14 +5537,12 @@
           <p:nvPr/>
         </p:nvCxnSpPr>
         <p:spPr>
-          <a:xfrm rot="10800000">
-            <a:off x="2088559" y="1067448"/>
-            <a:ext cx="1141139" cy="245588"/>
+          <a:xfrm rot="10800000" flipV="1">
+            <a:off x="2593200" y="1358716"/>
+            <a:ext cx="291514" cy="1235706"/>
           </a:xfrm>
-          <a:prstGeom prst="bentConnector3">
-            <a:avLst>
-              <a:gd name="adj1" fmla="val 100584"/>
-            </a:avLst>
+          <a:prstGeom prst="bentConnector2">
+            <a:avLst/>
           </a:prstGeom>
           <a:ln w="12700">
             <a:solidFill>
@@ -6114,25 +5571,115 @@
       </p:cxnSp>
       <p:sp>
         <p:nvSpPr>
-          <p:cNvPr id="46" name="Can 45"/>
+          <p:cNvPr id="2" name="Rectangle 1"/>
           <p:cNvSpPr/>
           <p:nvPr/>
         </p:nvSpPr>
         <p:spPr>
           <a:xfrm>
-            <a:off x="6616221" y="3949021"/>
-            <a:ext cx="662179" cy="504631"/>
+            <a:off x="5684571" y="3192103"/>
+            <a:ext cx="821634" cy="307777"/>
+          </a:xfrm>
+          <a:prstGeom prst="rect">
+            <a:avLst/>
+          </a:prstGeom>
+        </p:spPr>
+        <p:txBody>
+          <a:bodyPr wrap="none">
+            <a:spAutoFit/>
+          </a:bodyPr>
+          <a:lstStyle/>
+          <a:p>
+            <a:r>
+              <a:rPr lang="tr-TR" sz="1400" dirty="0" smtClean="0">
+                <a:solidFill>
+                  <a:schemeClr val="bg1">
+                    <a:lumMod val="85000"/>
+                  </a:schemeClr>
+                </a:solidFill>
+                <a:latin typeface="Open Sans Light"/>
+                <a:cs typeface="Open Sans Light"/>
+              </a:rPr>
+              <a:t>PyYAML</a:t>
+            </a:r>
+            <a:endParaRPr lang="en-US" sz="1400" dirty="0">
+              <a:solidFill>
+                <a:schemeClr val="bg1">
+                  <a:lumMod val="85000"/>
+                </a:schemeClr>
+              </a:solidFill>
+              <a:latin typeface="Open Sans Light"/>
+              <a:cs typeface="Open Sans Light"/>
+            </a:endParaRPr>
+          </a:p>
+        </p:txBody>
+      </p:sp>
+      <p:sp>
+        <p:nvSpPr>
+          <p:cNvPr id="60" name="Rectangle 59"/>
+          <p:cNvSpPr/>
+          <p:nvPr/>
+        </p:nvSpPr>
+        <p:spPr>
+          <a:xfrm>
+            <a:off x="4490330" y="2843217"/>
+            <a:ext cx="853807" cy="307777"/>
+          </a:xfrm>
+          <a:prstGeom prst="rect">
+            <a:avLst/>
+          </a:prstGeom>
+        </p:spPr>
+        <p:txBody>
+          <a:bodyPr wrap="none">
+            <a:spAutoFit/>
+          </a:bodyPr>
+          <a:lstStyle/>
+          <a:p>
+            <a:r>
+              <a:rPr lang="tr-TR" sz="1400" dirty="0" smtClean="0">
+                <a:solidFill>
+                  <a:schemeClr val="bg1">
+                    <a:lumMod val="85000"/>
+                  </a:schemeClr>
+                </a:solidFill>
+                <a:latin typeface="Open Sans Light"/>
+                <a:cs typeface="Open Sans Light"/>
+              </a:rPr>
+              <a:t>ZeroMQ</a:t>
+            </a:r>
+            <a:endParaRPr lang="en-US" sz="1400" dirty="0">
+              <a:solidFill>
+                <a:schemeClr val="bg1">
+                  <a:lumMod val="85000"/>
+                </a:schemeClr>
+              </a:solidFill>
+              <a:latin typeface="Open Sans Light"/>
+              <a:cs typeface="Open Sans Light"/>
+            </a:endParaRPr>
+          </a:p>
+        </p:txBody>
+      </p:sp>
+      <p:sp>
+        <p:nvSpPr>
+          <p:cNvPr id="38" name="Can 37"/>
+          <p:cNvSpPr/>
+          <p:nvPr/>
+        </p:nvSpPr>
+        <p:spPr>
+          <a:xfrm>
+            <a:off x="4549395" y="1051896"/>
+            <a:ext cx="1569511" cy="504631"/>
           </a:xfrm>
           <a:prstGeom prst="can">
             <a:avLst/>
           </a:prstGeom>
           <a:solidFill>
-            <a:srgbClr val="FF6600"/>
+            <a:schemeClr val="accent1">
+              <a:alpha val="37000"/>
+            </a:schemeClr>
           </a:solidFill>
           <a:ln>
-            <a:solidFill>
-              <a:schemeClr val="bg1"/>
-            </a:solidFill>
+            <a:noFill/>
           </a:ln>
           <a:effectLst/>
         </p:spPr>
@@ -6160,11 +5707,303 @@
                 <a:latin typeface="Open Sans Light"/>
                 <a:cs typeface="Open Sans Light"/>
               </a:rPr>
-              <a:t>imgs</a:t>
+              <a:t>Google sheet</a:t>
             </a:r>
             <a:endParaRPr lang="en-US" dirty="0">
               <a:latin typeface="Open Sans Light"/>
               <a:cs typeface="Open Sans Light"/>
+            </a:endParaRPr>
+          </a:p>
+        </p:txBody>
+      </p:sp>
+      <p:sp>
+        <p:nvSpPr>
+          <p:cNvPr id="59" name="Rounded Rectangle 58"/>
+          <p:cNvSpPr/>
+          <p:nvPr/>
+        </p:nvSpPr>
+        <p:spPr>
+          <a:xfrm>
+            <a:off x="1691628" y="3045937"/>
+            <a:ext cx="2277213" cy="664115"/>
+          </a:xfrm>
+          <a:prstGeom prst="roundRect">
+            <a:avLst/>
+          </a:prstGeom>
+          <a:solidFill>
+            <a:schemeClr val="bg1"/>
+          </a:solidFill>
+          <a:ln>
+            <a:solidFill>
+              <a:schemeClr val="accent6"/>
+            </a:solidFill>
+            <a:prstDash val="dash"/>
+          </a:ln>
+          <a:effectLst/>
+        </p:spPr>
+        <p:style>
+          <a:lnRef idx="1">
+            <a:schemeClr val="accent1"/>
+          </a:lnRef>
+          <a:fillRef idx="3">
+            <a:schemeClr val="accent1"/>
+          </a:fillRef>
+          <a:effectRef idx="2">
+            <a:schemeClr val="accent1"/>
+          </a:effectRef>
+          <a:fontRef idx="minor">
+            <a:schemeClr val="lt1"/>
+          </a:fontRef>
+        </p:style>
+        <p:txBody>
+          <a:bodyPr anchor="t"/>
+          <a:lstStyle/>
+          <a:p>
+            <a:r>
+              <a:rPr lang="en-US" dirty="0" smtClean="0">
+                <a:solidFill>
+                  <a:schemeClr val="accent6"/>
+                </a:solidFill>
+                <a:latin typeface="Open Sans Light"/>
+                <a:cs typeface="Open Sans Light"/>
+              </a:rPr>
+              <a:t>plays</a:t>
+            </a:r>
+            <a:endParaRPr lang="en-US" dirty="0">
+              <a:solidFill>
+                <a:schemeClr val="accent6"/>
+              </a:solidFill>
+              <a:latin typeface="Open Sans Light"/>
+              <a:cs typeface="Open Sans Light"/>
+            </a:endParaRPr>
+          </a:p>
+        </p:txBody>
+      </p:sp>
+      <p:sp>
+        <p:nvSpPr>
+          <p:cNvPr id="136" name="Rectangle 135"/>
+          <p:cNvSpPr/>
+          <p:nvPr/>
+        </p:nvSpPr>
+        <p:spPr>
+          <a:xfrm>
+            <a:off x="2496113" y="3108433"/>
+            <a:ext cx="1305105" cy="581901"/>
+          </a:xfrm>
+          <a:prstGeom prst="rect">
+            <a:avLst/>
+          </a:prstGeom>
+          <a:solidFill>
+            <a:schemeClr val="bg1"/>
+          </a:solidFill>
+          <a:ln>
+            <a:noFill/>
+          </a:ln>
+        </p:spPr>
+        <p:style>
+          <a:lnRef idx="2">
+            <a:schemeClr val="accent1">
+              <a:shade val="50000"/>
+            </a:schemeClr>
+          </a:lnRef>
+          <a:fillRef idx="1">
+            <a:schemeClr val="accent1"/>
+          </a:fillRef>
+          <a:effectRef idx="0">
+            <a:schemeClr val="accent1"/>
+          </a:effectRef>
+          <a:fontRef idx="minor">
+            <a:schemeClr val="lt1"/>
+          </a:fontRef>
+        </p:style>
+        <p:txBody>
+          <a:bodyPr lIns="68681" tIns="34340" rIns="68681" bIns="34340" anchor="ctr"/>
+          <a:lstStyle/>
+          <a:p>
+            <a:pPr algn="r" defTabSz="343403" eaLnBrk="1" fontAlgn="auto" hangingPunct="1">
+              <a:spcBef>
+                <a:spcPts val="0"/>
+              </a:spcBef>
+              <a:spcAft>
+                <a:spcPts val="0"/>
+              </a:spcAft>
+              <a:defRPr/>
+            </a:pPr>
+            <a:r>
+              <a:rPr lang="en-US" sz="1800" dirty="0" smtClean="0">
+                <a:solidFill>
+                  <a:srgbClr val="000000"/>
+                </a:solidFill>
+                <a:latin typeface="Open Sans Light" charset="0"/>
+                <a:ea typeface="Open Sans Light" charset="0"/>
+                <a:cs typeface="Open Sans Light" charset="0"/>
+              </a:rPr>
+              <a:t>task commands</a:t>
+            </a:r>
+            <a:endParaRPr lang="en-US" sz="1800" dirty="0">
+              <a:solidFill>
+                <a:srgbClr val="000000"/>
+              </a:solidFill>
+              <a:latin typeface="Open Sans Light" charset="0"/>
+              <a:ea typeface="Open Sans Light" charset="0"/>
+              <a:cs typeface="Open Sans Light" charset="0"/>
+            </a:endParaRPr>
+          </a:p>
+        </p:txBody>
+      </p:sp>
+      <p:cxnSp>
+        <p:nvCxnSpPr>
+          <p:cNvPr id="154" name="Straight Connector 101"/>
+          <p:cNvCxnSpPr>
+            <a:stCxn id="136" idx="3"/>
+            <a:endCxn id="130" idx="1"/>
+          </p:cNvCxnSpPr>
+          <p:nvPr/>
+        </p:nvCxnSpPr>
+        <p:spPr>
+          <a:xfrm>
+            <a:off x="3801218" y="3399384"/>
+            <a:ext cx="1373892" cy="374620"/>
+          </a:xfrm>
+          <a:prstGeom prst="straightConnector1">
+            <a:avLst/>
+          </a:prstGeom>
+          <a:ln w="25400">
+            <a:solidFill>
+              <a:schemeClr val="tx1"/>
+            </a:solidFill>
+            <a:headEnd type="none" w="lg" len="lg"/>
+            <a:tailEnd type="triangle" w="lg" len="lg"/>
+          </a:ln>
+        </p:spPr>
+        <p:style>
+          <a:lnRef idx="1">
+            <a:schemeClr val="accent1"/>
+          </a:lnRef>
+          <a:fillRef idx="0">
+            <a:schemeClr val="accent1"/>
+          </a:fillRef>
+          <a:effectRef idx="0">
+            <a:schemeClr val="accent1"/>
+          </a:effectRef>
+          <a:fontRef idx="minor">
+            <a:schemeClr val="tx1"/>
+          </a:fontRef>
+        </p:style>
+      </p:cxnSp>
+      <p:cxnSp>
+        <p:nvCxnSpPr>
+          <p:cNvPr id="31" name="Straight Connector 30"/>
+          <p:cNvCxnSpPr>
+            <a:stCxn id="114" idx="2"/>
+          </p:cNvCxnSpPr>
+          <p:nvPr/>
+        </p:nvCxnSpPr>
+        <p:spPr>
+          <a:xfrm>
+            <a:off x="3485088" y="2399001"/>
+            <a:ext cx="0" cy="646936"/>
+          </a:xfrm>
+          <a:prstGeom prst="line">
+            <a:avLst/>
+          </a:prstGeom>
+          <a:ln w="25400">
+            <a:solidFill>
+              <a:schemeClr val="tx1"/>
+            </a:solidFill>
+            <a:prstDash val="sysDot"/>
+            <a:headEnd type="none" w="lg" len="lg"/>
+            <a:tailEnd type="triangle" w="lg" len="med"/>
+          </a:ln>
+        </p:spPr>
+        <p:style>
+          <a:lnRef idx="1">
+            <a:schemeClr val="accent1"/>
+          </a:lnRef>
+          <a:fillRef idx="0">
+            <a:schemeClr val="accent1"/>
+          </a:fillRef>
+          <a:effectRef idx="0">
+            <a:schemeClr val="accent1"/>
+          </a:effectRef>
+          <a:fontRef idx="minor">
+            <a:schemeClr val="tx1"/>
+          </a:fontRef>
+        </p:style>
+      </p:cxnSp>
+      <p:cxnSp>
+        <p:nvCxnSpPr>
+          <p:cNvPr id="34" name="Straight Connector 101"/>
+          <p:cNvCxnSpPr/>
+          <p:nvPr/>
+        </p:nvCxnSpPr>
+        <p:spPr>
+          <a:xfrm flipV="1">
+            <a:off x="1646311" y="3774004"/>
+            <a:ext cx="0" cy="719821"/>
+          </a:xfrm>
+          <a:prstGeom prst="straightConnector1">
+            <a:avLst/>
+          </a:prstGeom>
+          <a:ln w="12700">
+            <a:solidFill>
+              <a:schemeClr val="tx1"/>
+            </a:solidFill>
+            <a:headEnd type="none" w="lg" len="lg"/>
+            <a:tailEnd type="triangle" w="lg" len="lg"/>
+          </a:ln>
+        </p:spPr>
+        <p:style>
+          <a:lnRef idx="1">
+            <a:schemeClr val="accent1"/>
+          </a:lnRef>
+          <a:fillRef idx="0">
+            <a:schemeClr val="accent1"/>
+          </a:fillRef>
+          <a:effectRef idx="0">
+            <a:schemeClr val="accent1"/>
+          </a:effectRef>
+          <a:fontRef idx="minor">
+            <a:schemeClr val="tx1"/>
+          </a:fontRef>
+        </p:style>
+      </p:cxnSp>
+      <p:sp>
+        <p:nvSpPr>
+          <p:cNvPr id="3" name="Rectangle 2"/>
+          <p:cNvSpPr/>
+          <p:nvPr/>
+        </p:nvSpPr>
+        <p:spPr>
+          <a:xfrm>
+            <a:off x="1710270" y="1827181"/>
+            <a:ext cx="937752" cy="369332"/>
+          </a:xfrm>
+          <a:prstGeom prst="rect">
+            <a:avLst/>
+          </a:prstGeom>
+        </p:spPr>
+        <p:txBody>
+          <a:bodyPr wrap="none">
+            <a:spAutoFit/>
+          </a:bodyPr>
+          <a:lstStyle/>
+          <a:p>
+            <a:r>
+              <a:rPr lang="en-US" dirty="0">
+                <a:solidFill>
+                  <a:schemeClr val="bg1"/>
+                </a:solidFill>
+                <a:latin typeface="Open Sans Light" charset="0"/>
+                <a:ea typeface="Open Sans Light" charset="0"/>
+                <a:cs typeface="Open Sans Light" charset="0"/>
+              </a:rPr>
+              <a:t>Jenkins</a:t>
+            </a:r>
+            <a:endParaRPr lang="en-US" dirty="0">
+              <a:solidFill>
+                <a:schemeClr val="bg1"/>
+              </a:solidFill>
             </a:endParaRPr>
           </a:p>
         </p:txBody>
@@ -6257,7 +6096,7 @@
                                 </p:cTn>
                               </p:par>
                               <p:par>
-                                <p:cTn id="9" presetID="1" presetClass="entr" presetSubtype="0" fill="hold" grpId="0" nodeType="withEffect">
+                                <p:cTn id="9" presetID="1" presetClass="entr" presetSubtype="0" fill="hold" nodeType="withEffect">
                                   <p:stCondLst>
                                     <p:cond delay="0"/>
                                   </p:stCondLst>
@@ -6265,33 +6104,6 @@
                                     <p:set>
                                       <p:cBhvr>
                                         <p:cTn id="10" dur="1" fill="hold">
-                                          <p:stCondLst>
-                                            <p:cond delay="0"/>
-                                          </p:stCondLst>
-                                        </p:cTn>
-                                        <p:tgtEl>
-                                          <p:spTgt spid="43"/>
-                                        </p:tgtEl>
-                                        <p:attrNameLst>
-                                          <p:attrName>style.visibility</p:attrName>
-                                        </p:attrNameLst>
-                                      </p:cBhvr>
-                                      <p:to>
-                                        <p:strVal val="visible"/>
-                                      </p:to>
-                                    </p:set>
-                                  </p:childTnLst>
-                                </p:cTn>
-                              </p:par>
-                              <p:par>
-                                <p:cTn id="11" presetID="1" presetClass="entr" presetSubtype="0" fill="hold" nodeType="withEffect">
-                                  <p:stCondLst>
-                                    <p:cond delay="0"/>
-                                  </p:stCondLst>
-                                  <p:childTnLst>
-                                    <p:set>
-                                      <p:cBhvr>
-                                        <p:cTn id="12" dur="1" fill="hold">
                                           <p:stCondLst>
                                             <p:cond delay="0"/>
                                           </p:stCondLst>
@@ -6317,26 +6129,71 @@
                     </p:cTn>
                   </p:par>
                   <p:par>
-                    <p:cTn id="13" fill="hold">
+                    <p:cTn id="11" fill="hold">
                       <p:stCondLst>
                         <p:cond delay="indefinite"/>
                       </p:stCondLst>
                       <p:childTnLst>
                         <p:par>
-                          <p:cTn id="14" fill="hold">
+                          <p:cTn id="12" fill="hold">
                             <p:stCondLst>
                               <p:cond delay="0"/>
                             </p:stCondLst>
                             <p:childTnLst>
                               <p:par>
-                                <p:cTn id="15" presetID="1" presetClass="entr" presetSubtype="0" fill="hold" nodeType="clickEffect">
+                                <p:cTn id="13" presetID="1" presetClass="entr" presetSubtype="0" fill="hold" grpId="0" nodeType="clickEffect">
                                   <p:stCondLst>
                                     <p:cond delay="0"/>
                                   </p:stCondLst>
                                   <p:childTnLst>
                                     <p:set>
                                       <p:cBhvr>
-                                        <p:cTn id="16" dur="1" fill="hold">
+                                        <p:cTn id="14" dur="1" fill="hold">
+                                          <p:stCondLst>
+                                            <p:cond delay="0"/>
+                                          </p:stCondLst>
+                                        </p:cTn>
+                                        <p:tgtEl>
+                                          <p:spTgt spid="43"/>
+                                        </p:tgtEl>
+                                        <p:attrNameLst>
+                                          <p:attrName>style.visibility</p:attrName>
+                                        </p:attrNameLst>
+                                      </p:cBhvr>
+                                      <p:to>
+                                        <p:strVal val="visible"/>
+                                      </p:to>
+                                    </p:set>
+                                  </p:childTnLst>
+                                </p:cTn>
+                              </p:par>
+                            </p:childTnLst>
+                          </p:cTn>
+                        </p:par>
+                      </p:childTnLst>
+                    </p:cTn>
+                  </p:par>
+                  <p:par>
+                    <p:cTn id="15" fill="hold">
+                      <p:stCondLst>
+                        <p:cond delay="indefinite"/>
+                      </p:stCondLst>
+                      <p:childTnLst>
+                        <p:par>
+                          <p:cTn id="16" fill="hold">
+                            <p:stCondLst>
+                              <p:cond delay="0"/>
+                            </p:stCondLst>
+                            <p:childTnLst>
+                              <p:par>
+                                <p:cTn id="17" presetID="1" presetClass="entr" presetSubtype="0" fill="hold" nodeType="clickEffect">
+                                  <p:stCondLst>
+                                    <p:cond delay="0"/>
+                                  </p:stCondLst>
+                                  <p:childTnLst>
+                                    <p:set>
+                                      <p:cBhvr>
+                                        <p:cTn id="18" dur="1" fill="hold">
                                           <p:stCondLst>
                                             <p:cond delay="0"/>
                                           </p:stCondLst>
@@ -6356,14 +6213,14 @@
                                 </p:cTn>
                               </p:par>
                               <p:par>
-                                <p:cTn id="17" presetID="1" presetClass="entr" presetSubtype="0" fill="hold" grpId="0" nodeType="withEffect">
+                                <p:cTn id="19" presetID="1" presetClass="entr" presetSubtype="0" fill="hold" grpId="0" nodeType="withEffect">
                                   <p:stCondLst>
                                     <p:cond delay="0"/>
                                   </p:stCondLst>
                                   <p:childTnLst>
                                     <p:set>
                                       <p:cBhvr>
-                                        <p:cTn id="18" dur="1" fill="hold">
+                                        <p:cTn id="20" dur="1" fill="hold">
                                           <p:stCondLst>
                                             <p:cond delay="0"/>
                                           </p:stCondLst>
@@ -6389,46 +6246,19 @@
                     </p:cTn>
                   </p:par>
                   <p:par>
-                    <p:cTn id="19" fill="hold">
+                    <p:cTn id="21" fill="hold">
                       <p:stCondLst>
                         <p:cond delay="indefinite"/>
                       </p:stCondLst>
                       <p:childTnLst>
                         <p:par>
-                          <p:cTn id="20" fill="hold">
+                          <p:cTn id="22" fill="hold">
                             <p:stCondLst>
                               <p:cond delay="0"/>
                             </p:stCondLst>
                             <p:childTnLst>
                               <p:par>
-                                <p:cTn id="21" presetID="1" presetClass="entr" presetSubtype="0" fill="hold" nodeType="clickEffect">
-                                  <p:stCondLst>
-                                    <p:cond delay="0"/>
-                                  </p:stCondLst>
-                                  <p:childTnLst>
-                                    <p:set>
-                                      <p:cBhvr>
-                                        <p:cTn id="22" dur="1" fill="hold">
-                                          <p:stCondLst>
-                                            <p:cond delay="0"/>
-                                          </p:stCondLst>
-                                        </p:cTn>
-                                        <p:tgtEl>
-                                          <p:spTgt spid="55"/>
-                                        </p:tgtEl>
-                                        <p:attrNameLst>
-                                          <p:attrName>style.visibility</p:attrName>
-                                        </p:attrNameLst>
-                                      </p:cBhvr>
-                                      <p:to>
-                                        <p:strVal val="visible"/>
-                                      </p:to>
-                                    </p:set>
-                                  </p:childTnLst>
-                                </p:cTn>
-                              </p:par>
-                              <p:par>
-                                <p:cTn id="23" presetID="1" presetClass="entr" presetSubtype="0" fill="hold" grpId="0" nodeType="withEffect">
+                                <p:cTn id="23" presetID="1" presetClass="entr" presetSubtype="0" fill="hold" grpId="0" nodeType="clickEffect">
                                   <p:stCondLst>
                                     <p:cond delay="0"/>
                                   </p:stCondLst>
@@ -6441,7 +6271,7 @@
                                           </p:stCondLst>
                                         </p:cTn>
                                         <p:tgtEl>
-                                          <p:spTgt spid="29"/>
+                                          <p:spTgt spid="2"/>
                                         </p:tgtEl>
                                         <p:attrNameLst>
                                           <p:attrName>style.visibility</p:attrName>
@@ -6473,7 +6303,7 @@
                             </p:stCondLst>
                             <p:childTnLst>
                               <p:par>
-                                <p:cTn id="27" presetID="1" presetClass="entr" presetSubtype="0" fill="hold" grpId="0" nodeType="clickEffect">
+                                <p:cTn id="27" presetID="1" presetClass="entr" presetSubtype="0" fill="hold" nodeType="clickEffect">
                                   <p:stCondLst>
                                     <p:cond delay="0"/>
                                   </p:stCondLst>
@@ -6486,7 +6316,34 @@
                                           </p:stCondLst>
                                         </p:cTn>
                                         <p:tgtEl>
-                                          <p:spTgt spid="112"/>
+                                          <p:spTgt spid="55"/>
+                                        </p:tgtEl>
+                                        <p:attrNameLst>
+                                          <p:attrName>style.visibility</p:attrName>
+                                        </p:attrNameLst>
+                                      </p:cBhvr>
+                                      <p:to>
+                                        <p:strVal val="visible"/>
+                                      </p:to>
+                                    </p:set>
+                                  </p:childTnLst>
+                                </p:cTn>
+                              </p:par>
+                              <p:par>
+                                <p:cTn id="29" presetID="1" presetClass="entr" presetSubtype="0" fill="hold" grpId="0" nodeType="withEffect">
+                                  <p:stCondLst>
+                                    <p:cond delay="0"/>
+                                  </p:stCondLst>
+                                  <p:childTnLst>
+                                    <p:set>
+                                      <p:cBhvr>
+                                        <p:cTn id="30" dur="1" fill="hold">
+                                          <p:stCondLst>
+                                            <p:cond delay="0"/>
+                                          </p:stCondLst>
+                                        </p:cTn>
+                                        <p:tgtEl>
+                                          <p:spTgt spid="29"/>
                                         </p:tgtEl>
                                         <p:attrNameLst>
                                           <p:attrName>style.visibility</p:attrName>
@@ -6506,32 +6363,32 @@
                     </p:cTn>
                   </p:par>
                   <p:par>
-                    <p:cTn id="29" fill="hold">
+                    <p:cTn id="31" fill="hold">
                       <p:stCondLst>
                         <p:cond delay="indefinite"/>
                       </p:stCondLst>
                       <p:childTnLst>
                         <p:par>
-                          <p:cTn id="30" fill="hold">
+                          <p:cTn id="32" fill="hold">
                             <p:stCondLst>
                               <p:cond delay="0"/>
                             </p:stCondLst>
                             <p:childTnLst>
                               <p:par>
-                                <p:cTn id="31" presetID="1" presetClass="entr" presetSubtype="0" fill="hold" grpId="0" nodeType="clickEffect">
+                                <p:cTn id="33" presetID="1" presetClass="entr" presetSubtype="0" fill="hold" grpId="0" nodeType="clickEffect">
                                   <p:stCondLst>
                                     <p:cond delay="0"/>
                                   </p:stCondLst>
                                   <p:childTnLst>
                                     <p:set>
                                       <p:cBhvr>
-                                        <p:cTn id="32" dur="1" fill="hold">
+                                        <p:cTn id="34" dur="1" fill="hold">
                                           <p:stCondLst>
                                             <p:cond delay="0"/>
                                           </p:stCondLst>
                                         </p:cTn>
                                         <p:tgtEl>
-                                          <p:spTgt spid="40"/>
+                                          <p:spTgt spid="60"/>
                                         </p:tgtEl>
                                         <p:attrNameLst>
                                           <p:attrName>style.visibility</p:attrName>
@@ -6544,62 +6401,26 @@
                                   </p:childTnLst>
                                 </p:cTn>
                               </p:par>
+                            </p:childTnLst>
+                          </p:cTn>
+                        </p:par>
+                      </p:childTnLst>
+                    </p:cTn>
+                  </p:par>
+                  <p:par>
+                    <p:cTn id="35" fill="hold">
+                      <p:stCondLst>
+                        <p:cond delay="indefinite"/>
+                      </p:stCondLst>
+                      <p:childTnLst>
+                        <p:par>
+                          <p:cTn id="36" fill="hold">
+                            <p:stCondLst>
+                              <p:cond delay="0"/>
+                            </p:stCondLst>
+                            <p:childTnLst>
                               <p:par>
-                                <p:cTn id="33" presetID="1" presetClass="entr" presetSubtype="0" fill="hold" nodeType="withEffect">
-                                  <p:stCondLst>
-                                    <p:cond delay="0"/>
-                                  </p:stCondLst>
-                                  <p:childTnLst>
-                                    <p:set>
-                                      <p:cBhvr>
-                                        <p:cTn id="34" dur="1" fill="hold">
-                                          <p:stCondLst>
-                                            <p:cond delay="0"/>
-                                          </p:stCondLst>
-                                        </p:cTn>
-                                        <p:tgtEl>
-                                          <p:spTgt spid="41"/>
-                                        </p:tgtEl>
-                                        <p:attrNameLst>
-                                          <p:attrName>style.visibility</p:attrName>
-                                        </p:attrNameLst>
-                                      </p:cBhvr>
-                                      <p:to>
-                                        <p:strVal val="visible"/>
-                                      </p:to>
-                                    </p:set>
-                                  </p:childTnLst>
-                                </p:cTn>
-                              </p:par>
-                              <p:par>
-                                <p:cTn id="35" presetID="1" presetClass="entr" presetSubtype="0" fill="hold" grpId="0" nodeType="withEffect">
-                                  <p:stCondLst>
-                                    <p:cond delay="0"/>
-                                  </p:stCondLst>
-                                  <p:childTnLst>
-                                    <p:set>
-                                      <p:cBhvr>
-                                        <p:cTn id="36" dur="1" fill="hold">
-                                          <p:stCondLst>
-                                            <p:cond delay="0"/>
-                                          </p:stCondLst>
-                                        </p:cTn>
-                                        <p:tgtEl>
-                                          <p:spTgt spid="38"/>
-                                        </p:tgtEl>
-                                        <p:attrNameLst>
-                                          <p:attrName>style.visibility</p:attrName>
-                                        </p:attrNameLst>
-                                      </p:cBhvr>
-                                      <p:to>
-                                        <p:strVal val="visible"/>
-                                      </p:to>
-                                    </p:set>
-                                  </p:childTnLst>
-                                </p:cTn>
-                              </p:par>
-                              <p:par>
-                                <p:cTn id="37" presetID="1" presetClass="entr" presetSubtype="0" fill="hold" nodeType="withEffect">
+                                <p:cTn id="37" presetID="1" presetClass="entr" presetSubtype="0" fill="hold" grpId="0" nodeType="clickEffect">
                                   <p:stCondLst>
                                     <p:cond delay="0"/>
                                   </p:stCondLst>
@@ -6612,7 +6433,7 @@
                                           </p:stCondLst>
                                         </p:cTn>
                                         <p:tgtEl>
-                                          <p:spTgt spid="36"/>
+                                          <p:spTgt spid="130"/>
                                         </p:tgtEl>
                                         <p:attrNameLst>
                                           <p:attrName>style.visibility</p:attrName>
@@ -6657,105 +6478,6 @@
                                           </p:stCondLst>
                                         </p:cTn>
                                         <p:tgtEl>
-                                          <p:spTgt spid="183"/>
-                                        </p:tgtEl>
-                                        <p:attrNameLst>
-                                          <p:attrName>style.visibility</p:attrName>
-                                        </p:attrNameLst>
-                                      </p:cBhvr>
-                                      <p:to>
-                                        <p:strVal val="visible"/>
-                                      </p:to>
-                                    </p:set>
-                                  </p:childTnLst>
-                                </p:cTn>
-                              </p:par>
-                              <p:par>
-                                <p:cTn id="43" presetID="1" presetClass="entr" presetSubtype="0" fill="hold" nodeType="withEffect">
-                                  <p:stCondLst>
-                                    <p:cond delay="0"/>
-                                  </p:stCondLst>
-                                  <p:childTnLst>
-                                    <p:set>
-                                      <p:cBhvr>
-                                        <p:cTn id="44" dur="1" fill="hold">
-                                          <p:stCondLst>
-                                            <p:cond delay="0"/>
-                                          </p:stCondLst>
-                                        </p:cTn>
-                                        <p:tgtEl>
-                                          <p:spTgt spid="184"/>
-                                        </p:tgtEl>
-                                        <p:attrNameLst>
-                                          <p:attrName>style.visibility</p:attrName>
-                                        </p:attrNameLst>
-                                      </p:cBhvr>
-                                      <p:to>
-                                        <p:strVal val="visible"/>
-                                      </p:to>
-                                    </p:set>
-                                  </p:childTnLst>
-                                </p:cTn>
-                              </p:par>
-                            </p:childTnLst>
-                          </p:cTn>
-                        </p:par>
-                      </p:childTnLst>
-                    </p:cTn>
-                  </p:par>
-                  <p:par>
-                    <p:cTn id="45" fill="hold">
-                      <p:stCondLst>
-                        <p:cond delay="indefinite"/>
-                      </p:stCondLst>
-                      <p:childTnLst>
-                        <p:par>
-                          <p:cTn id="46" fill="hold">
-                            <p:stCondLst>
-                              <p:cond delay="0"/>
-                            </p:stCondLst>
-                            <p:childTnLst>
-                              <p:par>
-                                <p:cTn id="47" presetID="1" presetClass="entr" presetSubtype="0" fill="hold" grpId="0" nodeType="clickEffect">
-                                  <p:stCondLst>
-                                    <p:cond delay="0"/>
-                                  </p:stCondLst>
-                                  <p:childTnLst>
-                                    <p:set>
-                                      <p:cBhvr>
-                                        <p:cTn id="48" dur="1" fill="hold">
-                                          <p:stCondLst>
-                                            <p:cond delay="0"/>
-                                          </p:stCondLst>
-                                        </p:cTn>
-                                        <p:tgtEl>
-                                          <p:spTgt spid="130"/>
-                                        </p:tgtEl>
-                                        <p:attrNameLst>
-                                          <p:attrName>style.visibility</p:attrName>
-                                        </p:attrNameLst>
-                                      </p:cBhvr>
-                                      <p:to>
-                                        <p:strVal val="visible"/>
-                                      </p:to>
-                                    </p:set>
-                                  </p:childTnLst>
-                                </p:cTn>
-                              </p:par>
-                              <p:par>
-                                <p:cTn id="49" presetID="1" presetClass="entr" presetSubtype="0" fill="hold" nodeType="withEffect">
-                                  <p:stCondLst>
-                                    <p:cond delay="0"/>
-                                  </p:stCondLst>
-                                  <p:childTnLst>
-                                    <p:set>
-                                      <p:cBhvr>
-                                        <p:cTn id="50" dur="1" fill="hold">
-                                          <p:stCondLst>
-                                            <p:cond delay="0"/>
-                                          </p:stCondLst>
-                                        </p:cTn>
-                                        <p:tgtEl>
                                           <p:spTgt spid="42"/>
                                         </p:tgtEl>
                                         <p:attrNameLst>
@@ -6776,26 +6498,26 @@
                     </p:cTn>
                   </p:par>
                   <p:par>
-                    <p:cTn id="51" fill="hold">
+                    <p:cTn id="43" fill="hold">
                       <p:stCondLst>
                         <p:cond delay="indefinite"/>
                       </p:stCondLst>
                       <p:childTnLst>
                         <p:par>
-                          <p:cTn id="52" fill="hold">
+                          <p:cTn id="44" fill="hold">
                             <p:stCondLst>
                               <p:cond delay="0"/>
                             </p:stCondLst>
                             <p:childTnLst>
                               <p:par>
-                                <p:cTn id="53" presetID="1" presetClass="entr" presetSubtype="0" fill="hold" grpId="0" nodeType="clickEffect">
+                                <p:cTn id="45" presetID="1" presetClass="entr" presetSubtype="0" fill="hold" grpId="0" nodeType="clickEffect">
                                   <p:stCondLst>
                                     <p:cond delay="0"/>
                                   </p:stCondLst>
                                   <p:childTnLst>
                                     <p:set>
                                       <p:cBhvr>
-                                        <p:cTn id="54" dur="1" fill="hold">
+                                        <p:cTn id="46" dur="1" fill="hold">
                                           <p:stCondLst>
                                             <p:cond delay="0"/>
                                           </p:stCondLst>
@@ -6815,14 +6537,14 @@
                                 </p:cTn>
                               </p:par>
                               <p:par>
-                                <p:cTn id="55" presetID="1" presetClass="entr" presetSubtype="0" fill="hold" nodeType="withEffect">
+                                <p:cTn id="47" presetID="1" presetClass="entr" presetSubtype="0" fill="hold" nodeType="withEffect">
                                   <p:stCondLst>
                                     <p:cond delay="0"/>
                                   </p:stCondLst>
                                   <p:childTnLst>
                                     <p:set>
                                       <p:cBhvr>
-                                        <p:cTn id="56" dur="1" fill="hold">
+                                        <p:cTn id="48" dur="1" fill="hold">
                                           <p:stCondLst>
                                             <p:cond delay="0"/>
                                           </p:stCondLst>
@@ -6848,32 +6570,77 @@
                     </p:cTn>
                   </p:par>
                   <p:par>
-                    <p:cTn id="57" fill="hold">
+                    <p:cTn id="49" fill="hold">
                       <p:stCondLst>
                         <p:cond delay="indefinite"/>
                       </p:stCondLst>
                       <p:childTnLst>
                         <p:par>
-                          <p:cTn id="58" fill="hold">
+                          <p:cTn id="50" fill="hold">
                             <p:stCondLst>
                               <p:cond delay="0"/>
                             </p:stCondLst>
                             <p:childTnLst>
                               <p:par>
-                                <p:cTn id="59" presetID="1" presetClass="entr" presetSubtype="0" fill="hold" grpId="0" nodeType="clickEffect">
+                                <p:cTn id="51" presetID="1" presetClass="entr" presetSubtype="0" fill="hold" grpId="0" nodeType="clickEffect">
                                   <p:stCondLst>
                                     <p:cond delay="0"/>
                                   </p:stCondLst>
                                   <p:childTnLst>
                                     <p:set>
                                       <p:cBhvr>
-                                        <p:cTn id="60" dur="1" fill="hold">
+                                        <p:cTn id="52" dur="1" fill="hold">
                                           <p:stCondLst>
                                             <p:cond delay="0"/>
                                           </p:stCondLst>
                                         </p:cTn>
                                         <p:tgtEl>
-                                          <p:spTgt spid="33"/>
+                                          <p:spTgt spid="59"/>
+                                        </p:tgtEl>
+                                        <p:attrNameLst>
+                                          <p:attrName>style.visibility</p:attrName>
+                                        </p:attrNameLst>
+                                      </p:cBhvr>
+                                      <p:to>
+                                        <p:strVal val="visible"/>
+                                      </p:to>
+                                    </p:set>
+                                  </p:childTnLst>
+                                </p:cTn>
+                              </p:par>
+                            </p:childTnLst>
+                          </p:cTn>
+                        </p:par>
+                      </p:childTnLst>
+                    </p:cTn>
+                  </p:par>
+                  <p:par>
+                    <p:cTn id="53" fill="hold">
+                      <p:stCondLst>
+                        <p:cond delay="indefinite"/>
+                      </p:stCondLst>
+                      <p:childTnLst>
+                        <p:par>
+                          <p:cTn id="54" fill="hold">
+                            <p:stCondLst>
+                              <p:cond delay="0"/>
+                            </p:stCondLst>
+                            <p:childTnLst>
+                              <p:par>
+                                <p:cTn id="55" presetID="1" presetClass="entr" presetSubtype="0" fill="hold" grpId="0" nodeType="clickEffect">
+                                  <p:stCondLst>
+                                    <p:cond delay="0"/>
+                                  </p:stCondLst>
+                                  <p:childTnLst>
+                                    <p:set>
+                                      <p:cBhvr>
+                                        <p:cTn id="56" dur="1" fill="hold">
+                                          <p:stCondLst>
+                                            <p:cond delay="0"/>
+                                          </p:stCondLst>
+                                        </p:cTn>
+                                        <p:tgtEl>
+                                          <p:spTgt spid="114"/>
                                         </p:tgtEl>
                                         <p:attrNameLst>
                                           <p:attrName>style.visibility</p:attrName>
@@ -6887,7 +6654,52 @@
                                 </p:cTn>
                               </p:par>
                               <p:par>
-                                <p:cTn id="61" presetID="1" presetClass="entr" presetSubtype="0" fill="hold" grpId="0" nodeType="withEffect">
+                                <p:cTn id="57" presetID="1" presetClass="entr" presetSubtype="0" fill="hold" nodeType="withEffect">
+                                  <p:stCondLst>
+                                    <p:cond delay="0"/>
+                                  </p:stCondLst>
+                                  <p:childTnLst>
+                                    <p:set>
+                                      <p:cBhvr>
+                                        <p:cTn id="58" dur="1" fill="hold">
+                                          <p:stCondLst>
+                                            <p:cond delay="0"/>
+                                          </p:stCondLst>
+                                        </p:cTn>
+                                        <p:tgtEl>
+                                          <p:spTgt spid="31"/>
+                                        </p:tgtEl>
+                                        <p:attrNameLst>
+                                          <p:attrName>style.visibility</p:attrName>
+                                        </p:attrNameLst>
+                                      </p:cBhvr>
+                                      <p:to>
+                                        <p:strVal val="visible"/>
+                                      </p:to>
+                                    </p:set>
+                                  </p:childTnLst>
+                                </p:cTn>
+                              </p:par>
+                            </p:childTnLst>
+                          </p:cTn>
+                        </p:par>
+                      </p:childTnLst>
+                    </p:cTn>
+                  </p:par>
+                  <p:par>
+                    <p:cTn id="59" fill="hold">
+                      <p:stCondLst>
+                        <p:cond delay="indefinite"/>
+                      </p:stCondLst>
+                      <p:childTnLst>
+                        <p:par>
+                          <p:cTn id="60" fill="hold">
+                            <p:stCondLst>
+                              <p:cond delay="0"/>
+                            </p:stCondLst>
+                            <p:childTnLst>
+                              <p:par>
+                                <p:cTn id="61" presetID="1" presetClass="entr" presetSubtype="0" fill="hold" nodeType="clickEffect">
                                   <p:stCondLst>
                                     <p:cond delay="0"/>
                                   </p:stCondLst>
@@ -6900,7 +6712,7 @@
                                           </p:stCondLst>
                                         </p:cTn>
                                         <p:tgtEl>
-                                          <p:spTgt spid="32"/>
+                                          <p:spTgt spid="30"/>
                                         </p:tgtEl>
                                         <p:attrNameLst>
                                           <p:attrName>style.visibility</p:attrName>
@@ -6914,7 +6726,7 @@
                                 </p:cTn>
                               </p:par>
                               <p:par>
-                                <p:cTn id="63" presetID="1" presetClass="entr" presetSubtype="0" fill="hold" nodeType="withEffect">
+                                <p:cTn id="63" presetID="1" presetClass="entr" presetSubtype="0" fill="hold" grpId="0" nodeType="withEffect">
                                   <p:stCondLst>
                                     <p:cond delay="0"/>
                                   </p:stCondLst>
@@ -6927,7 +6739,7 @@
                                           </p:stCondLst>
                                         </p:cTn>
                                         <p:tgtEl>
-                                          <p:spTgt spid="34"/>
+                                          <p:spTgt spid="64"/>
                                         </p:tgtEl>
                                         <p:attrNameLst>
                                           <p:attrName>style.visibility</p:attrName>
@@ -6941,7 +6753,7 @@
                                 </p:cTn>
                               </p:par>
                               <p:par>
-                                <p:cTn id="65" presetID="1" presetClass="entr" presetSubtype="0" fill="hold" grpId="0" nodeType="withEffect">
+                                <p:cTn id="65" presetID="1" presetClass="entr" presetSubtype="0" fill="hold" nodeType="withEffect">
                                   <p:stCondLst>
                                     <p:cond delay="0"/>
                                   </p:stCondLst>
@@ -6954,7 +6766,7 @@
                                           </p:stCondLst>
                                         </p:cTn>
                                         <p:tgtEl>
-                                          <p:spTgt spid="37"/>
+                                          <p:spTgt spid="54"/>
                                         </p:tgtEl>
                                         <p:attrNameLst>
                                           <p:attrName>style.visibility</p:attrName>
@@ -6986,7 +6798,7 @@
                             </p:stCondLst>
                             <p:childTnLst>
                               <p:par>
-                                <p:cTn id="69" presetID="1" presetClass="entr" presetSubtype="0" fill="hold" nodeType="clickEffect">
+                                <p:cTn id="69" presetID="1" presetClass="entr" presetSubtype="0" fill="hold" grpId="0" nodeType="clickEffect">
                                   <p:stCondLst>
                                     <p:cond delay="0"/>
                                   </p:stCondLst>
@@ -6999,7 +6811,7 @@
                                           </p:stCondLst>
                                         </p:cTn>
                                         <p:tgtEl>
-                                          <p:spTgt spid="45"/>
+                                          <p:spTgt spid="112"/>
                                         </p:tgtEl>
                                         <p:attrNameLst>
                                           <p:attrName>style.visibility</p:attrName>
@@ -7044,7 +6856,7 @@
                                           </p:stCondLst>
                                         </p:cTn>
                                         <p:tgtEl>
-                                          <p:spTgt spid="114"/>
+                                          <p:spTgt spid="33"/>
                                         </p:tgtEl>
                                         <p:attrNameLst>
                                           <p:attrName>style.visibility</p:attrName>
@@ -7058,7 +6870,7 @@
                                 </p:cTn>
                               </p:par>
                               <p:par>
-                                <p:cTn id="75" presetID="1" presetClass="entr" presetSubtype="0" fill="hold" nodeType="withEffect">
+                                <p:cTn id="75" presetID="1" presetClass="entr" presetSubtype="0" fill="hold" grpId="0" nodeType="withEffect">
                                   <p:stCondLst>
                                     <p:cond delay="0"/>
                                   </p:stCondLst>
@@ -7071,7 +6883,61 @@
                                           </p:stCondLst>
                                         </p:cTn>
                                         <p:tgtEl>
-                                          <p:spTgt spid="31"/>
+                                          <p:spTgt spid="32"/>
+                                        </p:tgtEl>
+                                        <p:attrNameLst>
+                                          <p:attrName>style.visibility</p:attrName>
+                                        </p:attrNameLst>
+                                      </p:cBhvr>
+                                      <p:to>
+                                        <p:strVal val="visible"/>
+                                      </p:to>
+                                    </p:set>
+                                  </p:childTnLst>
+                                </p:cTn>
+                              </p:par>
+                              <p:par>
+                                <p:cTn id="77" presetID="1" presetClass="entr" presetSubtype="0" fill="hold" nodeType="withEffect">
+                                  <p:stCondLst>
+                                    <p:cond delay="0"/>
+                                  </p:stCondLst>
+                                  <p:childTnLst>
+                                    <p:set>
+                                      <p:cBhvr>
+                                        <p:cTn id="78" dur="1" fill="hold">
+                                          <p:stCondLst>
+                                            <p:cond delay="0"/>
+                                          </p:stCondLst>
+                                        </p:cTn>
+                                        <p:tgtEl>
+                                          <p:spTgt spid="34"/>
+                                        </p:tgtEl>
+                                        <p:attrNameLst>
+                                          <p:attrName>style.visibility</p:attrName>
+                                        </p:attrNameLst>
+                                      </p:cBhvr>
+                                      <p:to>
+                                        <p:strVal val="visible"/>
+                                      </p:to>
+                                    </p:set>
+                                  </p:childTnLst>
+                                </p:cTn>
+                              </p:par>
+                              <p:par>
+                                <p:cTn id="79" presetID="1" presetClass="entr" presetSubtype="0" fill="hold" grpId="0" nodeType="withEffect">
+                                  <p:stCondLst>
+                                    <p:cond delay="0"/>
+                                  </p:stCondLst>
+                                  <p:childTnLst>
+                                    <p:set>
+                                      <p:cBhvr>
+                                        <p:cTn id="80" dur="1" fill="hold">
+                                          <p:stCondLst>
+                                            <p:cond delay="0"/>
+                                          </p:stCondLst>
+                                        </p:cTn>
+                                        <p:tgtEl>
+                                          <p:spTgt spid="37"/>
                                         </p:tgtEl>
                                         <p:attrNameLst>
                                           <p:attrName>style.visibility</p:attrName>
@@ -7091,73 +6957,19 @@
                     </p:cTn>
                   </p:par>
                   <p:par>
-                    <p:cTn id="77" fill="hold">
+                    <p:cTn id="81" fill="hold">
                       <p:stCondLst>
                         <p:cond delay="indefinite"/>
                       </p:stCondLst>
                       <p:childTnLst>
                         <p:par>
-                          <p:cTn id="78" fill="hold">
+                          <p:cTn id="82" fill="hold">
                             <p:stCondLst>
                               <p:cond delay="0"/>
                             </p:stCondLst>
                             <p:childTnLst>
                               <p:par>
-                                <p:cTn id="79" presetID="1" presetClass="entr" presetSubtype="0" fill="hold" nodeType="clickEffect">
-                                  <p:stCondLst>
-                                    <p:cond delay="0"/>
-                                  </p:stCondLst>
-                                  <p:childTnLst>
-                                    <p:set>
-                                      <p:cBhvr>
-                                        <p:cTn id="80" dur="1" fill="hold">
-                                          <p:stCondLst>
-                                            <p:cond delay="0"/>
-                                          </p:stCondLst>
-                                        </p:cTn>
-                                        <p:tgtEl>
-                                          <p:spTgt spid="30"/>
-                                        </p:tgtEl>
-                                        <p:attrNameLst>
-                                          <p:attrName>style.visibility</p:attrName>
-                                        </p:attrNameLst>
-                                      </p:cBhvr>
-                                      <p:to>
-                                        <p:strVal val="visible"/>
-                                      </p:to>
-                                    </p:set>
-                                  </p:childTnLst>
-                                </p:cTn>
-                              </p:par>
-                              <p:par>
-                                <p:cTn id="81" presetID="1" presetClass="entr" presetSubtype="0" fill="hold" grpId="0" nodeType="withEffect">
-                                  <p:stCondLst>
-                                    <p:cond delay="0"/>
-                                  </p:stCondLst>
-                                  <p:childTnLst>
-                                    <p:set>
-                                      <p:cBhvr>
-                                        <p:cTn id="82" dur="1" fill="hold">
-                                          <p:stCondLst>
-                                            <p:cond delay="0"/>
-                                          </p:stCondLst>
-                                        </p:cTn>
-                                        <p:tgtEl>
-                                          <p:spTgt spid="64"/>
-                                        </p:tgtEl>
-                                        <p:attrNameLst>
-                                          <p:attrName>style.visibility</p:attrName>
-                                        </p:attrNameLst>
-                                      </p:cBhvr>
-                                      <p:to>
-                                        <p:strVal val="visible"/>
-                                      </p:to>
-                                    </p:set>
-                                  </p:childTnLst>
-                                </p:cTn>
-                              </p:par>
-                              <p:par>
-                                <p:cTn id="83" presetID="1" presetClass="entr" presetSubtype="0" fill="hold" nodeType="withEffect">
+                                <p:cTn id="83" presetID="1" presetClass="entr" presetSubtype="0" fill="hold" nodeType="clickEffect">
                                   <p:stCondLst>
                                     <p:cond delay="0"/>
                                   </p:stCondLst>
@@ -7170,7 +6982,7 @@
                                           </p:stCondLst>
                                         </p:cTn>
                                         <p:tgtEl>
-                                          <p:spTgt spid="54"/>
+                                          <p:spTgt spid="45"/>
                                         </p:tgtEl>
                                         <p:attrNameLst>
                                           <p:attrName>style.visibility</p:attrName>
@@ -7202,7 +7014,7 @@
                             </p:stCondLst>
                             <p:childTnLst>
                               <p:par>
-                                <p:cTn id="87" presetID="1" presetClass="exit" presetSubtype="0" fill="hold" grpId="1" nodeType="clickEffect">
+                                <p:cTn id="87" presetID="1" presetClass="entr" presetSubtype="0" fill="hold" grpId="0" nodeType="clickEffect">
                                   <p:stCondLst>
                                     <p:cond delay="0"/>
                                   </p:stCondLst>
@@ -7215,14 +7027,14 @@
                                           </p:stCondLst>
                                         </p:cTn>
                                         <p:tgtEl>
-                                          <p:spTgt spid="99"/>
+                                          <p:spTgt spid="113"/>
                                         </p:tgtEl>
                                         <p:attrNameLst>
                                           <p:attrName>style.visibility</p:attrName>
                                         </p:attrNameLst>
                                       </p:cBhvr>
                                       <p:to>
-                                        <p:strVal val="hidden"/>
+                                        <p:strVal val="visible"/>
                                       </p:to>
                                     </p:set>
                                   </p:childTnLst>
@@ -7242,7 +7054,7 @@
                                           </p:stCondLst>
                                         </p:cTn>
                                         <p:tgtEl>
-                                          <p:spTgt spid="53"/>
+                                          <p:spTgt spid="79"/>
                                         </p:tgtEl>
                                         <p:attrNameLst>
                                           <p:attrName>style.visibility</p:attrName>
@@ -7256,7 +7068,7 @@
                                 </p:cTn>
                               </p:par>
                               <p:par>
-                                <p:cTn id="91" presetID="1" presetClass="entr" presetSubtype="0" fill="hold" grpId="0" nodeType="withEffect">
+                                <p:cTn id="91" presetID="1" presetClass="entr" presetSubtype="0" fill="hold" nodeType="withEffect">
                                   <p:stCondLst>
                                     <p:cond delay="0"/>
                                   </p:stCondLst>
@@ -7269,7 +7081,7 @@
                                           </p:stCondLst>
                                         </p:cTn>
                                         <p:tgtEl>
-                                          <p:spTgt spid="44"/>
+                                          <p:spTgt spid="92"/>
                                         </p:tgtEl>
                                         <p:attrNameLst>
                                           <p:attrName>style.visibility</p:attrName>
@@ -7314,7 +7126,7 @@
                                           </p:stCondLst>
                                         </p:cTn>
                                         <p:tgtEl>
-                                          <p:spTgt spid="113"/>
+                                          <p:spTgt spid="157"/>
                                         </p:tgtEl>
                                         <p:attrNameLst>
                                           <p:attrName>style.visibility</p:attrName>
@@ -7341,61 +7153,7 @@
                                           </p:stCondLst>
                                         </p:cTn>
                                         <p:tgtEl>
-                                          <p:spTgt spid="79"/>
-                                        </p:tgtEl>
-                                        <p:attrNameLst>
-                                          <p:attrName>style.visibility</p:attrName>
-                                        </p:attrNameLst>
-                                      </p:cBhvr>
-                                      <p:to>
-                                        <p:strVal val="visible"/>
-                                      </p:to>
-                                    </p:set>
-                                  </p:childTnLst>
-                                </p:cTn>
-                              </p:par>
-                              <p:par>
-                                <p:cTn id="99" presetID="1" presetClass="entr" presetSubtype="0" fill="hold" nodeType="withEffect">
-                                  <p:stCondLst>
-                                    <p:cond delay="0"/>
-                                  </p:stCondLst>
-                                  <p:childTnLst>
-                                    <p:set>
-                                      <p:cBhvr>
-                                        <p:cTn id="100" dur="1" fill="hold">
-                                          <p:stCondLst>
-                                            <p:cond delay="0"/>
-                                          </p:stCondLst>
-                                        </p:cTn>
-                                        <p:tgtEl>
-                                          <p:spTgt spid="92"/>
-                                        </p:tgtEl>
-                                        <p:attrNameLst>
-                                          <p:attrName>style.visibility</p:attrName>
-                                        </p:attrNameLst>
-                                      </p:cBhvr>
-                                      <p:to>
-                                        <p:strVal val="visible"/>
-                                      </p:to>
-                                    </p:set>
-                                  </p:childTnLst>
-                                </p:cTn>
-                              </p:par>
-                              <p:par>
-                                <p:cTn id="101" presetID="1" presetClass="entr" presetSubtype="0" fill="hold" nodeType="withEffect">
-                                  <p:stCondLst>
-                                    <p:cond delay="0"/>
-                                  </p:stCondLst>
-                                  <p:childTnLst>
-                                    <p:set>
-                                      <p:cBhvr>
-                                        <p:cTn id="102" dur="1" fill="hold">
-                                          <p:stCondLst>
-                                            <p:cond delay="0"/>
-                                          </p:stCondLst>
-                                        </p:cTn>
-                                        <p:tgtEl>
-                                          <p:spTgt spid="73"/>
+                                          <p:spTgt spid="3"/>
                                         </p:tgtEl>
                                         <p:attrNameLst>
                                           <p:attrName>style.visibility</p:attrName>
@@ -7415,32 +7173,32 @@
                     </p:cTn>
                   </p:par>
                   <p:par>
-                    <p:cTn id="103" fill="hold">
+                    <p:cTn id="99" fill="hold">
                       <p:stCondLst>
                         <p:cond delay="indefinite"/>
                       </p:stCondLst>
                       <p:childTnLst>
                         <p:par>
-                          <p:cTn id="104" fill="hold">
+                          <p:cTn id="100" fill="hold">
                             <p:stCondLst>
                               <p:cond delay="0"/>
                             </p:stCondLst>
                             <p:childTnLst>
                               <p:par>
-                                <p:cTn id="105" presetID="1" presetClass="entr" presetSubtype="0" fill="hold" grpId="0" nodeType="clickEffect">
+                                <p:cTn id="101" presetID="1" presetClass="entr" presetSubtype="0" fill="hold" grpId="0" nodeType="clickEffect">
                                   <p:stCondLst>
                                     <p:cond delay="0"/>
                                   </p:stCondLst>
                                   <p:childTnLst>
                                     <p:set>
                                       <p:cBhvr>
-                                        <p:cTn id="106" dur="1" fill="hold">
+                                        <p:cTn id="102" dur="1" fill="hold">
                                           <p:stCondLst>
                                             <p:cond delay="0"/>
                                           </p:stCondLst>
                                         </p:cTn>
                                         <p:tgtEl>
-                                          <p:spTgt spid="157"/>
+                                          <p:spTgt spid="40"/>
                                         </p:tgtEl>
                                         <p:attrNameLst>
                                           <p:attrName>style.visibility</p:attrName>
@@ -7454,7 +7212,61 @@
                                 </p:cTn>
                               </p:par>
                               <p:par>
-                                <p:cTn id="107" presetID="1" presetClass="entr" presetSubtype="0" fill="hold" nodeType="withEffect">
+                                <p:cTn id="103" presetID="1" presetClass="entr" presetSubtype="0" fill="hold" nodeType="withEffect">
+                                  <p:stCondLst>
+                                    <p:cond delay="0"/>
+                                  </p:stCondLst>
+                                  <p:childTnLst>
+                                    <p:set>
+                                      <p:cBhvr>
+                                        <p:cTn id="104" dur="1" fill="hold">
+                                          <p:stCondLst>
+                                            <p:cond delay="0"/>
+                                          </p:stCondLst>
+                                        </p:cTn>
+                                        <p:tgtEl>
+                                          <p:spTgt spid="73"/>
+                                        </p:tgtEl>
+                                        <p:attrNameLst>
+                                          <p:attrName>style.visibility</p:attrName>
+                                        </p:attrNameLst>
+                                      </p:cBhvr>
+                                      <p:to>
+                                        <p:strVal val="visible"/>
+                                      </p:to>
+                                    </p:set>
+                                  </p:childTnLst>
+                                </p:cTn>
+                              </p:par>
+                              <p:par>
+                                <p:cTn id="105" presetID="1" presetClass="entr" presetSubtype="0" fill="hold" nodeType="withEffect">
+                                  <p:stCondLst>
+                                    <p:cond delay="0"/>
+                                  </p:stCondLst>
+                                  <p:childTnLst>
+                                    <p:set>
+                                      <p:cBhvr>
+                                        <p:cTn id="106" dur="1" fill="hold">
+                                          <p:stCondLst>
+                                            <p:cond delay="0"/>
+                                          </p:stCondLst>
+                                        </p:cTn>
+                                        <p:tgtEl>
+                                          <p:spTgt spid="41"/>
+                                        </p:tgtEl>
+                                        <p:attrNameLst>
+                                          <p:attrName>style.visibility</p:attrName>
+                                        </p:attrNameLst>
+                                      </p:cBhvr>
+                                      <p:to>
+                                        <p:strVal val="visible"/>
+                                      </p:to>
+                                    </p:set>
+                                  </p:childTnLst>
+                                </p:cTn>
+                              </p:par>
+                              <p:par>
+                                <p:cTn id="107" presetID="1" presetClass="entr" presetSubtype="0" fill="hold" grpId="0" nodeType="withEffect">
                                   <p:stCondLst>
                                     <p:cond delay="0"/>
                                   </p:stCondLst>
@@ -7467,7 +7279,7 @@
                                           </p:stCondLst>
                                         </p:cTn>
                                         <p:tgtEl>
-                                          <p:spTgt spid="163"/>
+                                          <p:spTgt spid="38"/>
                                         </p:tgtEl>
                                         <p:attrNameLst>
                                           <p:attrName>style.visibility</p:attrName>
@@ -7512,7 +7324,7 @@
                                           </p:stCondLst>
                                         </p:cTn>
                                         <p:tgtEl>
-                                          <p:spTgt spid="50"/>
+                                          <p:spTgt spid="183"/>
                                         </p:tgtEl>
                                         <p:attrNameLst>
                                           <p:attrName>style.visibility</p:attrName>
@@ -7539,142 +7351,7 @@
                                           </p:stCondLst>
                                         </p:cTn>
                                         <p:tgtEl>
-                                          <p:spTgt spid="158"/>
-                                        </p:tgtEl>
-                                        <p:attrNameLst>
-                                          <p:attrName>style.visibility</p:attrName>
-                                        </p:attrNameLst>
-                                      </p:cBhvr>
-                                      <p:to>
-                                        <p:strVal val="visible"/>
-                                      </p:to>
-                                    </p:set>
-                                  </p:childTnLst>
-                                </p:cTn>
-                              </p:par>
-                              <p:par>
-                                <p:cTn id="115" presetID="1" presetClass="exit" presetSubtype="0" fill="hold" nodeType="withEffect">
-                                  <p:stCondLst>
-                                    <p:cond delay="0"/>
-                                  </p:stCondLst>
-                                  <p:childTnLst>
-                                    <p:set>
-                                      <p:cBhvr>
-                                        <p:cTn id="116" dur="1" fill="hold">
-                                          <p:stCondLst>
-                                            <p:cond delay="0"/>
-                                          </p:stCondLst>
-                                        </p:cTn>
-                                        <p:tgtEl>
-                                          <p:spTgt spid="42"/>
-                                        </p:tgtEl>
-                                        <p:attrNameLst>
-                                          <p:attrName>style.visibility</p:attrName>
-                                        </p:attrNameLst>
-                                      </p:cBhvr>
-                                      <p:to>
-                                        <p:strVal val="hidden"/>
-                                      </p:to>
-                                    </p:set>
-                                  </p:childTnLst>
-                                </p:cTn>
-                              </p:par>
-                              <p:par>
-                                <p:cTn id="117" presetID="1" presetClass="exit" presetSubtype="0" fill="hold" nodeType="withEffect">
-                                  <p:stCondLst>
-                                    <p:cond delay="0"/>
-                                  </p:stCondLst>
-                                  <p:childTnLst>
-                                    <p:set>
-                                      <p:cBhvr>
-                                        <p:cTn id="118" dur="1" fill="hold">
-                                          <p:stCondLst>
-                                            <p:cond delay="0"/>
-                                          </p:stCondLst>
-                                        </p:cTn>
-                                        <p:tgtEl>
-                                          <p:spTgt spid="154"/>
-                                        </p:tgtEl>
-                                        <p:attrNameLst>
-                                          <p:attrName>style.visibility</p:attrName>
-                                        </p:attrNameLst>
-                                      </p:cBhvr>
-                                      <p:to>
-                                        <p:strVal val="hidden"/>
-                                      </p:to>
-                                    </p:set>
-                                  </p:childTnLst>
-                                </p:cTn>
-                              </p:par>
-                              <p:par>
-                                <p:cTn id="119" presetID="1" presetClass="exit" presetSubtype="0" fill="hold" grpId="1" nodeType="withEffect">
-                                  <p:stCondLst>
-                                    <p:cond delay="0"/>
-                                  </p:stCondLst>
-                                  <p:childTnLst>
-                                    <p:set>
-                                      <p:cBhvr>
-                                        <p:cTn id="120" dur="1" fill="hold">
-                                          <p:stCondLst>
-                                            <p:cond delay="0"/>
-                                          </p:stCondLst>
-                                        </p:cTn>
-                                        <p:tgtEl>
-                                          <p:spTgt spid="136"/>
-                                        </p:tgtEl>
-                                        <p:attrNameLst>
-                                          <p:attrName>style.visibility</p:attrName>
-                                        </p:attrNameLst>
-                                      </p:cBhvr>
-                                      <p:to>
-                                        <p:strVal val="hidden"/>
-                                      </p:to>
-                                    </p:set>
-                                  </p:childTnLst>
-                                </p:cTn>
-                              </p:par>
-                              <p:par>
-                                <p:cTn id="121" presetID="1" presetClass="exit" presetSubtype="0" fill="hold" nodeType="withEffect">
-                                  <p:stCondLst>
-                                    <p:cond delay="0"/>
-                                  </p:stCondLst>
-                                  <p:childTnLst>
-                                    <p:set>
-                                      <p:cBhvr>
-                                        <p:cTn id="122" dur="1" fill="hold">
-                                          <p:stCondLst>
-                                            <p:cond delay="0"/>
-                                          </p:stCondLst>
-                                        </p:cTn>
-                                        <p:tgtEl>
-                                          <p:spTgt spid="34"/>
-                                        </p:tgtEl>
-                                        <p:attrNameLst>
-                                          <p:attrName>style.visibility</p:attrName>
-                                        </p:attrNameLst>
-                                      </p:cBhvr>
-                                      <p:to>
-                                        <p:strVal val="hidden"/>
-                                      </p:to>
-                                    </p:set>
-                                  </p:childTnLst>
-                                </p:cTn>
-                              </p:par>
-                              <p:par>
-                                <p:cTn id="123" presetID="1" presetClass="entr" presetSubtype="0" fill="hold" grpId="0" nodeType="withEffect">
-                                  <p:stCondLst>
-                                    <p:cond delay="0"/>
-                                  </p:stCondLst>
-                                  <p:childTnLst>
-                                    <p:set>
-                                      <p:cBhvr>
-                                        <p:cTn id="124" dur="1" fill="hold">
-                                          <p:stCondLst>
-                                            <p:cond delay="0"/>
-                                          </p:stCondLst>
-                                        </p:cTn>
-                                        <p:tgtEl>
-                                          <p:spTgt spid="46"/>
+                                          <p:spTgt spid="184"/>
                                         </p:tgtEl>
                                         <p:attrNameLst>
                                           <p:attrName>style.visibility</p:attrName>
@@ -7715,9 +7392,8 @@
       </p:par>
     </p:tnLst>
     <p:bldLst>
-      <p:bldP spid="53" grpId="0" animBg="1"/>
-      <p:bldP spid="99" grpId="1" animBg="1"/>
-      <p:bldP spid="44" grpId="0" animBg="1"/>
+      <p:bldP spid="42" grpId="0" animBg="1"/>
+      <p:bldP spid="157" grpId="0" animBg="1"/>
       <p:bldP spid="138" grpId="0" animBg="1"/>
       <p:bldP spid="29" grpId="0" animBg="1"/>
       <p:bldP spid="43" grpId="0"/>
@@ -7730,16 +7406,16 @@
       <p:bldP spid="32" grpId="0" animBg="1"/>
       <p:bldP spid="33" grpId="0"/>
       <p:bldP spid="37" grpId="0" animBg="1"/>
-      <p:bldP spid="38" grpId="0" animBg="1"/>
       <p:bldP spid="40" grpId="0" animBg="1"/>
       <p:bldP spid="114" grpId="0" animBg="1"/>
-      <p:bldP spid="157" grpId="0" animBg="1"/>
       <p:bldP spid="183" grpId="0" animBg="1"/>
       <p:bldP spid="112" grpId="0" animBg="1"/>
+      <p:bldP spid="2" grpId="0"/>
+      <p:bldP spid="60" grpId="0"/>
+      <p:bldP spid="38" grpId="0" animBg="1"/>
+      <p:bldP spid="59" grpId="0" animBg="1"/>
       <p:bldP spid="136" grpId="0" animBg="1"/>
-      <p:bldP spid="136" grpId="1" animBg="1"/>
-      <p:bldP spid="50" grpId="0" animBg="1"/>
-      <p:bldP spid="46" grpId="0" animBg="1"/>
+      <p:bldP spid="3" grpId="0"/>
     </p:bldLst>
   </p:timing>
 </p:sld>
